--- a/_demos/Using Artificial Intelligence to Optimize Customer Relationship.pptx
+++ b/_demos/Using Artificial Intelligence to Optimize Customer Relationship.pptx
@@ -10,12 +10,14 @@
     <p:sldId id="258" r:id="rId4"/>
     <p:sldId id="259" r:id="rId5"/>
     <p:sldId id="261" r:id="rId6"/>
-    <p:sldId id="260" r:id="rId7"/>
-    <p:sldId id="262" r:id="rId8"/>
-    <p:sldId id="263" r:id="rId9"/>
-    <p:sldId id="264" r:id="rId10"/>
-    <p:sldId id="265" r:id="rId11"/>
-    <p:sldId id="266" r:id="rId12"/>
+    <p:sldId id="268" r:id="rId7"/>
+    <p:sldId id="260" r:id="rId8"/>
+    <p:sldId id="262" r:id="rId9"/>
+    <p:sldId id="267" r:id="rId10"/>
+    <p:sldId id="263" r:id="rId11"/>
+    <p:sldId id="264" r:id="rId12"/>
+    <p:sldId id="265" r:id="rId13"/>
+    <p:sldId id="266" r:id="rId14"/>
   </p:sldIdLst>
   <p:sldSz cx="12192000" cy="6858000"/>
   <p:notesSz cx="6858000" cy="9144000"/>
@@ -114,7 +116,16 @@
       </a:defRPr>
     </a:lvl9pPr>
   </p:defaultTextStyle>
+  <p:extLst>
+    <p:ext uri="{EFAFB233-063F-42B5-8137-9DF3F51BA10A}">
+      <p15:sldGuideLst xmlns:p15="http://schemas.microsoft.com/office/powerpoint/2012/main"/>
+    </p:ext>
+  </p:extLst>
 </p:presentation>
+</file>
+
+<file path=ppt/revisionInfo.xml><?xml version="1.0" encoding="utf-8"?>
+<p1510:revInfo xmlns:a="http://purl.oclc.org/ooxml/drawingml/main" xmlns:r="http://purl.oclc.org/ooxml/officeDocument/relationships" xmlns:p1510="http://schemas.microsoft.com/office/powerpoint/2015/10/main"/>
 </file>
 
 <file path=ppt/slideLayouts/slideLayout1.xml><?xml version="1.0" encoding="utf-8"?>
@@ -167,7 +178,7 @@
           <a:noFill/>
           <a:extLst>
             <a:ext uri="{909E8E84-426E-40dd-AFC4-6F175D3DCCD1}">
-              <a14:hiddenFill xmlns:a14="http://schemas.microsoft.com/office/drawing/2010/main" xmlns="" xmlns:p="http://schemas.openxmlformats.org/presentationml/2006/main" xmlns:r="http://schemas.openxmlformats.org/officeDocument/2006/relationships" xmlns:a="http://schemas.openxmlformats.org/drawingml/2006/main">
+              <a14:hiddenFill xmlns:a="http://schemas.openxmlformats.org/drawingml/2006/main" xmlns:r="http://schemas.openxmlformats.org/officeDocument/2006/relationships" xmlns:p="http://schemas.openxmlformats.org/presentationml/2006/main" xmlns="" xmlns:a14="http://schemas.microsoft.com/office/drawing/2010/main">
                 <a:solidFill>
                   <a:srgbClr val="FFFFFF"/>
                 </a:solidFill>
@@ -227,7 +238,7 @@
             </a:ln>
             <a:extLst>
               <a:ext uri="{91240B29-F687-4f45-9708-019B960494DF}">
-                <a14:hiddenLine xmlns:a14="http://schemas.microsoft.com/office/drawing/2010/main" xmlns="" xmlns:p="http://schemas.openxmlformats.org/presentationml/2006/main" xmlns:r="http://schemas.openxmlformats.org/officeDocument/2006/relationships" xmlns:a="http://schemas.openxmlformats.org/drawingml/2006/main" w="9525">
+                <a14:hiddenLine xmlns:a="http://schemas.openxmlformats.org/drawingml/2006/main" xmlns:r="http://schemas.openxmlformats.org/officeDocument/2006/relationships" xmlns:p="http://schemas.openxmlformats.org/presentationml/2006/main" xmlns="" xmlns:a14="http://schemas.microsoft.com/office/drawing/2010/main" w="9525">
                   <a:solidFill>
                     <a:srgbClr val="000000"/>
                   </a:solidFill>
@@ -317,7 +328,7 @@
             </a:ln>
             <a:extLst>
               <a:ext uri="{91240B29-F687-4f45-9708-019B960494DF}">
-                <a14:hiddenLine xmlns:a14="http://schemas.microsoft.com/office/drawing/2010/main" xmlns="" xmlns:p="http://schemas.openxmlformats.org/presentationml/2006/main" xmlns:r="http://schemas.openxmlformats.org/officeDocument/2006/relationships" xmlns:a="http://schemas.openxmlformats.org/drawingml/2006/main" w="9525">
+                <a14:hiddenLine xmlns:a="http://schemas.openxmlformats.org/drawingml/2006/main" xmlns:r="http://schemas.openxmlformats.org/officeDocument/2006/relationships" xmlns:p="http://schemas.openxmlformats.org/presentationml/2006/main" xmlns="" xmlns:a14="http://schemas.microsoft.com/office/drawing/2010/main" w="9525">
                   <a:solidFill>
                     <a:srgbClr val="000000"/>
                   </a:solidFill>
@@ -407,7 +418,7 @@
             </a:ln>
             <a:extLst>
               <a:ext uri="{91240B29-F687-4f45-9708-019B960494DF}">
-                <a14:hiddenLine xmlns:a14="http://schemas.microsoft.com/office/drawing/2010/main" xmlns="" xmlns:p="http://schemas.openxmlformats.org/presentationml/2006/main" xmlns:r="http://schemas.openxmlformats.org/officeDocument/2006/relationships" xmlns:a="http://schemas.openxmlformats.org/drawingml/2006/main" w="9525">
+                <a14:hiddenLine xmlns:a="http://schemas.openxmlformats.org/drawingml/2006/main" xmlns:r="http://schemas.openxmlformats.org/officeDocument/2006/relationships" xmlns:p="http://schemas.openxmlformats.org/presentationml/2006/main" xmlns="" xmlns:a14="http://schemas.microsoft.com/office/drawing/2010/main" w="9525">
                   <a:solidFill>
                     <a:srgbClr val="000000"/>
                   </a:solidFill>
@@ -441,7 +452,7 @@
             </a:ln>
             <a:extLst>
               <a:ext uri="{91240B29-F687-4f45-9708-019B960494DF}">
-                <a14:hiddenLine xmlns:a14="http://schemas.microsoft.com/office/drawing/2010/main" xmlns="" xmlns:p="http://schemas.openxmlformats.org/presentationml/2006/main" xmlns:r="http://schemas.openxmlformats.org/officeDocument/2006/relationships" xmlns:a="http://schemas.openxmlformats.org/drawingml/2006/main" w="9525">
+                <a14:hiddenLine xmlns:a="http://schemas.openxmlformats.org/drawingml/2006/main" xmlns:r="http://schemas.openxmlformats.org/officeDocument/2006/relationships" xmlns:p="http://schemas.openxmlformats.org/presentationml/2006/main" xmlns="" xmlns:a14="http://schemas.microsoft.com/office/drawing/2010/main" w="9525">
                   <a:solidFill>
                     <a:srgbClr val="000000"/>
                   </a:solidFill>
@@ -531,7 +542,7 @@
             </a:ln>
             <a:extLst>
               <a:ext uri="{91240B29-F687-4f45-9708-019B960494DF}">
-                <a14:hiddenLine xmlns:a14="http://schemas.microsoft.com/office/drawing/2010/main" xmlns="" xmlns:p="http://schemas.openxmlformats.org/presentationml/2006/main" xmlns:r="http://schemas.openxmlformats.org/officeDocument/2006/relationships" xmlns:a="http://schemas.openxmlformats.org/drawingml/2006/main" w="9525">
+                <a14:hiddenLine xmlns:a="http://schemas.openxmlformats.org/drawingml/2006/main" xmlns:r="http://schemas.openxmlformats.org/officeDocument/2006/relationships" xmlns:p="http://schemas.openxmlformats.org/presentationml/2006/main" xmlns="" xmlns:a14="http://schemas.microsoft.com/office/drawing/2010/main" w="9525">
                   <a:solidFill>
                     <a:srgbClr val="000000"/>
                   </a:solidFill>
@@ -593,7 +604,7 @@
             </a:ln>
             <a:extLst>
               <a:ext uri="{91240B29-F687-4f45-9708-019B960494DF}">
-                <a14:hiddenLine xmlns:a14="http://schemas.microsoft.com/office/drawing/2010/main" xmlns="" xmlns:p="http://schemas.openxmlformats.org/presentationml/2006/main" xmlns:r="http://schemas.openxmlformats.org/officeDocument/2006/relationships" xmlns:a="http://schemas.openxmlformats.org/drawingml/2006/main" w="9525">
+                <a14:hiddenLine xmlns:a="http://schemas.openxmlformats.org/drawingml/2006/main" xmlns:r="http://schemas.openxmlformats.org/officeDocument/2006/relationships" xmlns:p="http://schemas.openxmlformats.org/presentationml/2006/main" xmlns="" xmlns:a14="http://schemas.microsoft.com/office/drawing/2010/main" w="9525">
                   <a:solidFill>
                     <a:srgbClr val="000000"/>
                   </a:solidFill>
@@ -655,7 +666,7 @@
             </a:ln>
             <a:extLst>
               <a:ext uri="{91240B29-F687-4f45-9708-019B960494DF}">
-                <a14:hiddenLine xmlns:a14="http://schemas.microsoft.com/office/drawing/2010/main" xmlns="" xmlns:p="http://schemas.openxmlformats.org/presentationml/2006/main" xmlns:r="http://schemas.openxmlformats.org/officeDocument/2006/relationships" xmlns:a="http://schemas.openxmlformats.org/drawingml/2006/main" w="9525">
+                <a14:hiddenLine xmlns:a="http://schemas.openxmlformats.org/drawingml/2006/main" xmlns:r="http://schemas.openxmlformats.org/officeDocument/2006/relationships" xmlns:p="http://schemas.openxmlformats.org/presentationml/2006/main" xmlns="" xmlns:a14="http://schemas.microsoft.com/office/drawing/2010/main" w="9525">
                   <a:solidFill>
                     <a:srgbClr val="000000"/>
                   </a:solidFill>
@@ -745,7 +756,7 @@
             </a:ln>
             <a:extLst>
               <a:ext uri="{91240B29-F687-4f45-9708-019B960494DF}">
-                <a14:hiddenLine xmlns:a14="http://schemas.microsoft.com/office/drawing/2010/main" xmlns="" xmlns:p="http://schemas.openxmlformats.org/presentationml/2006/main" xmlns:r="http://schemas.openxmlformats.org/officeDocument/2006/relationships" xmlns:a="http://schemas.openxmlformats.org/drawingml/2006/main" w="9525">
+                <a14:hiddenLine xmlns:a="http://schemas.openxmlformats.org/drawingml/2006/main" xmlns:r="http://schemas.openxmlformats.org/officeDocument/2006/relationships" xmlns:p="http://schemas.openxmlformats.org/presentationml/2006/main" xmlns="" xmlns:a14="http://schemas.microsoft.com/office/drawing/2010/main" w="9525">
                   <a:solidFill>
                     <a:srgbClr val="000000"/>
                   </a:solidFill>
@@ -807,7 +818,7 @@
             </a:ln>
             <a:extLst>
               <a:ext uri="{91240B29-F687-4f45-9708-019B960494DF}">
-                <a14:hiddenLine xmlns:a14="http://schemas.microsoft.com/office/drawing/2010/main" xmlns="" xmlns:p="http://schemas.openxmlformats.org/presentationml/2006/main" xmlns:r="http://schemas.openxmlformats.org/officeDocument/2006/relationships" xmlns:a="http://schemas.openxmlformats.org/drawingml/2006/main" w="9525">
+                <a14:hiddenLine xmlns:a="http://schemas.openxmlformats.org/drawingml/2006/main" xmlns:r="http://schemas.openxmlformats.org/officeDocument/2006/relationships" xmlns:p="http://schemas.openxmlformats.org/presentationml/2006/main" xmlns="" xmlns:a14="http://schemas.microsoft.com/office/drawing/2010/main" w="9525">
                   <a:solidFill>
                     <a:srgbClr val="000000"/>
                   </a:solidFill>
@@ -869,7 +880,7 @@
             </a:ln>
             <a:extLst>
               <a:ext uri="{91240B29-F687-4f45-9708-019B960494DF}">
-                <a14:hiddenLine xmlns:a14="http://schemas.microsoft.com/office/drawing/2010/main" xmlns="" xmlns:p="http://schemas.openxmlformats.org/presentationml/2006/main" xmlns:r="http://schemas.openxmlformats.org/officeDocument/2006/relationships" xmlns:a="http://schemas.openxmlformats.org/drawingml/2006/main" w="9525">
+                <a14:hiddenLine xmlns:a="http://schemas.openxmlformats.org/drawingml/2006/main" xmlns:r="http://schemas.openxmlformats.org/officeDocument/2006/relationships" xmlns:p="http://schemas.openxmlformats.org/presentationml/2006/main" xmlns="" xmlns:a14="http://schemas.microsoft.com/office/drawing/2010/main" w="9525">
                   <a:solidFill>
                     <a:srgbClr val="000000"/>
                   </a:solidFill>
@@ -959,7 +970,7 @@
             </a:ln>
             <a:extLst>
               <a:ext uri="{91240B29-F687-4f45-9708-019B960494DF}">
-                <a14:hiddenLine xmlns:a14="http://schemas.microsoft.com/office/drawing/2010/main" xmlns="" xmlns:p="http://schemas.openxmlformats.org/presentationml/2006/main" xmlns:r="http://schemas.openxmlformats.org/officeDocument/2006/relationships" xmlns:a="http://schemas.openxmlformats.org/drawingml/2006/main" w="9525">
+                <a14:hiddenLine xmlns:a="http://schemas.openxmlformats.org/drawingml/2006/main" xmlns:r="http://schemas.openxmlformats.org/officeDocument/2006/relationships" xmlns:p="http://schemas.openxmlformats.org/presentationml/2006/main" xmlns="" xmlns:a14="http://schemas.microsoft.com/office/drawing/2010/main" w="9525">
                   <a:solidFill>
                     <a:srgbClr val="000000"/>
                   </a:solidFill>
@@ -1049,7 +1060,7 @@
             </a:ln>
             <a:extLst>
               <a:ext uri="{91240B29-F687-4f45-9708-019B960494DF}">
-                <a14:hiddenLine xmlns:a14="http://schemas.microsoft.com/office/drawing/2010/main" xmlns="" xmlns:p="http://schemas.openxmlformats.org/presentationml/2006/main" xmlns:r="http://schemas.openxmlformats.org/officeDocument/2006/relationships" xmlns:a="http://schemas.openxmlformats.org/drawingml/2006/main" w="9525">
+                <a14:hiddenLine xmlns:a="http://schemas.openxmlformats.org/drawingml/2006/main" xmlns:r="http://schemas.openxmlformats.org/officeDocument/2006/relationships" xmlns:p="http://schemas.openxmlformats.org/presentationml/2006/main" xmlns="" xmlns:a14="http://schemas.microsoft.com/office/drawing/2010/main" w="9525">
                   <a:solidFill>
                     <a:srgbClr val="000000"/>
                   </a:solidFill>
@@ -1111,7 +1122,7 @@
             </a:ln>
             <a:extLst>
               <a:ext uri="{91240B29-F687-4f45-9708-019B960494DF}">
-                <a14:hiddenLine xmlns:a14="http://schemas.microsoft.com/office/drawing/2010/main" xmlns="" xmlns:p="http://schemas.openxmlformats.org/presentationml/2006/main" xmlns:r="http://schemas.openxmlformats.org/officeDocument/2006/relationships" xmlns:a="http://schemas.openxmlformats.org/drawingml/2006/main" w="9525">
+                <a14:hiddenLine xmlns:a="http://schemas.openxmlformats.org/drawingml/2006/main" xmlns:r="http://schemas.openxmlformats.org/officeDocument/2006/relationships" xmlns:p="http://schemas.openxmlformats.org/presentationml/2006/main" xmlns="" xmlns:a14="http://schemas.microsoft.com/office/drawing/2010/main" w="9525">
                   <a:solidFill>
                     <a:srgbClr val="000000"/>
                   </a:solidFill>
@@ -1221,7 +1232,7 @@
             </a:ln>
             <a:extLst>
               <a:ext uri="{91240B29-F687-4f45-9708-019B960494DF}">
-                <a14:hiddenLine xmlns:a14="http://schemas.microsoft.com/office/drawing/2010/main" xmlns="" xmlns:p="http://schemas.openxmlformats.org/presentationml/2006/main" xmlns:r="http://schemas.openxmlformats.org/officeDocument/2006/relationships" xmlns:a="http://schemas.openxmlformats.org/drawingml/2006/main" w="9525">
+                <a14:hiddenLine xmlns:a="http://schemas.openxmlformats.org/drawingml/2006/main" xmlns:r="http://schemas.openxmlformats.org/officeDocument/2006/relationships" xmlns:p="http://schemas.openxmlformats.org/presentationml/2006/main" xmlns="" xmlns:a14="http://schemas.microsoft.com/office/drawing/2010/main" w="9525">
                   <a:solidFill>
                     <a:srgbClr val="000000"/>
                   </a:solidFill>
@@ -1283,7 +1294,7 @@
             </a:ln>
             <a:extLst>
               <a:ext uri="{91240B29-F687-4f45-9708-019B960494DF}">
-                <a14:hiddenLine xmlns:a14="http://schemas.microsoft.com/office/drawing/2010/main" xmlns="" xmlns:p="http://schemas.openxmlformats.org/presentationml/2006/main" xmlns:r="http://schemas.openxmlformats.org/officeDocument/2006/relationships" xmlns:a="http://schemas.openxmlformats.org/drawingml/2006/main" w="9525">
+                <a14:hiddenLine xmlns:a="http://schemas.openxmlformats.org/drawingml/2006/main" xmlns:r="http://schemas.openxmlformats.org/officeDocument/2006/relationships" xmlns:p="http://schemas.openxmlformats.org/presentationml/2006/main" xmlns="" xmlns:a14="http://schemas.microsoft.com/office/drawing/2010/main" w="9525">
                   <a:solidFill>
                     <a:srgbClr val="000000"/>
                   </a:solidFill>
@@ -1373,7 +1384,7 @@
             </a:ln>
             <a:extLst>
               <a:ext uri="{91240B29-F687-4f45-9708-019B960494DF}">
-                <a14:hiddenLine xmlns:a14="http://schemas.microsoft.com/office/drawing/2010/main" xmlns="" xmlns:p="http://schemas.openxmlformats.org/presentationml/2006/main" xmlns:r="http://schemas.openxmlformats.org/officeDocument/2006/relationships" xmlns:a="http://schemas.openxmlformats.org/drawingml/2006/main" w="9525">
+                <a14:hiddenLine xmlns:a="http://schemas.openxmlformats.org/drawingml/2006/main" xmlns:r="http://schemas.openxmlformats.org/officeDocument/2006/relationships" xmlns:p="http://schemas.openxmlformats.org/presentationml/2006/main" xmlns="" xmlns:a14="http://schemas.microsoft.com/office/drawing/2010/main" w="9525">
                   <a:solidFill>
                     <a:srgbClr val="000000"/>
                   </a:solidFill>
@@ -1463,7 +1474,7 @@
             </a:ln>
             <a:extLst>
               <a:ext uri="{91240B29-F687-4f45-9708-019B960494DF}">
-                <a14:hiddenLine xmlns:a14="http://schemas.microsoft.com/office/drawing/2010/main" xmlns="" xmlns:p="http://schemas.openxmlformats.org/presentationml/2006/main" xmlns:r="http://schemas.openxmlformats.org/officeDocument/2006/relationships" xmlns:a="http://schemas.openxmlformats.org/drawingml/2006/main" w="9525">
+                <a14:hiddenLine xmlns:a="http://schemas.openxmlformats.org/drawingml/2006/main" xmlns:r="http://schemas.openxmlformats.org/officeDocument/2006/relationships" xmlns:p="http://schemas.openxmlformats.org/presentationml/2006/main" xmlns="" xmlns:a14="http://schemas.microsoft.com/office/drawing/2010/main" w="9525">
                   <a:solidFill>
                     <a:srgbClr val="000000"/>
                   </a:solidFill>
@@ -1525,7 +1536,7 @@
             </a:ln>
             <a:extLst>
               <a:ext uri="{91240B29-F687-4f45-9708-019B960494DF}">
-                <a14:hiddenLine xmlns:a14="http://schemas.microsoft.com/office/drawing/2010/main" xmlns="" xmlns:p="http://schemas.openxmlformats.org/presentationml/2006/main" xmlns:r="http://schemas.openxmlformats.org/officeDocument/2006/relationships" xmlns:a="http://schemas.openxmlformats.org/drawingml/2006/main" w="9525">
+                <a14:hiddenLine xmlns:a="http://schemas.openxmlformats.org/drawingml/2006/main" xmlns:r="http://schemas.openxmlformats.org/officeDocument/2006/relationships" xmlns:p="http://schemas.openxmlformats.org/presentationml/2006/main" xmlns="" xmlns:a14="http://schemas.microsoft.com/office/drawing/2010/main" w="9525">
                   <a:solidFill>
                     <a:srgbClr val="000000"/>
                   </a:solidFill>
@@ -1615,7 +1626,7 @@
             </a:ln>
             <a:extLst>
               <a:ext uri="{91240B29-F687-4f45-9708-019B960494DF}">
-                <a14:hiddenLine xmlns:a14="http://schemas.microsoft.com/office/drawing/2010/main" xmlns="" xmlns:p="http://schemas.openxmlformats.org/presentationml/2006/main" xmlns:r="http://schemas.openxmlformats.org/officeDocument/2006/relationships" xmlns:a="http://schemas.openxmlformats.org/drawingml/2006/main" w="9525">
+                <a14:hiddenLine xmlns:a="http://schemas.openxmlformats.org/drawingml/2006/main" xmlns:r="http://schemas.openxmlformats.org/officeDocument/2006/relationships" xmlns:p="http://schemas.openxmlformats.org/presentationml/2006/main" xmlns="" xmlns:a14="http://schemas.microsoft.com/office/drawing/2010/main" w="9525">
                   <a:solidFill>
                     <a:srgbClr val="000000"/>
                   </a:solidFill>
@@ -1705,7 +1716,7 @@
             </a:ln>
             <a:extLst>
               <a:ext uri="{91240B29-F687-4f45-9708-019B960494DF}">
-                <a14:hiddenLine xmlns:a14="http://schemas.microsoft.com/office/drawing/2010/main" xmlns="" xmlns:p="http://schemas.openxmlformats.org/presentationml/2006/main" xmlns:r="http://schemas.openxmlformats.org/officeDocument/2006/relationships" xmlns:a="http://schemas.openxmlformats.org/drawingml/2006/main" w="9525">
+                <a14:hiddenLine xmlns:a="http://schemas.openxmlformats.org/drawingml/2006/main" xmlns:r="http://schemas.openxmlformats.org/officeDocument/2006/relationships" xmlns:p="http://schemas.openxmlformats.org/presentationml/2006/main" xmlns="" xmlns:a14="http://schemas.microsoft.com/office/drawing/2010/main" w="9525">
                   <a:solidFill>
                     <a:srgbClr val="000000"/>
                   </a:solidFill>
@@ -1761,7 +1772,7 @@
             </a:ln>
             <a:extLst>
               <a:ext uri="{91240B29-F687-4f45-9708-019B960494DF}">
-                <a14:hiddenLine xmlns:a14="http://schemas.microsoft.com/office/drawing/2010/main" xmlns="" xmlns:p="http://schemas.openxmlformats.org/presentationml/2006/main" xmlns:r="http://schemas.openxmlformats.org/officeDocument/2006/relationships" xmlns:a="http://schemas.openxmlformats.org/drawingml/2006/main" w="9525">
+                <a14:hiddenLine xmlns:a="http://schemas.openxmlformats.org/drawingml/2006/main" xmlns:r="http://schemas.openxmlformats.org/officeDocument/2006/relationships" xmlns:p="http://schemas.openxmlformats.org/presentationml/2006/main" xmlns="" xmlns:a14="http://schemas.microsoft.com/office/drawing/2010/main" w="9525">
                   <a:solidFill>
                     <a:srgbClr val="000000"/>
                   </a:solidFill>
@@ -1851,7 +1862,7 @@
             </a:ln>
             <a:extLst>
               <a:ext uri="{91240B29-F687-4f45-9708-019B960494DF}">
-                <a14:hiddenLine xmlns:a14="http://schemas.microsoft.com/office/drawing/2010/main" xmlns="" xmlns:p="http://schemas.openxmlformats.org/presentationml/2006/main" xmlns:r="http://schemas.openxmlformats.org/officeDocument/2006/relationships" xmlns:a="http://schemas.openxmlformats.org/drawingml/2006/main" w="9525">
+                <a14:hiddenLine xmlns:a="http://schemas.openxmlformats.org/drawingml/2006/main" xmlns:r="http://schemas.openxmlformats.org/officeDocument/2006/relationships" xmlns:p="http://schemas.openxmlformats.org/presentationml/2006/main" xmlns="" xmlns:a14="http://schemas.microsoft.com/office/drawing/2010/main" w="9525">
                   <a:solidFill>
                     <a:srgbClr val="000000"/>
                   </a:solidFill>
@@ -1907,7 +1918,7 @@
             </a:ln>
             <a:extLst>
               <a:ext uri="{91240B29-F687-4f45-9708-019B960494DF}">
-                <a14:hiddenLine xmlns:a14="http://schemas.microsoft.com/office/drawing/2010/main" xmlns="" xmlns:p="http://schemas.openxmlformats.org/presentationml/2006/main" xmlns:r="http://schemas.openxmlformats.org/officeDocument/2006/relationships" xmlns:a="http://schemas.openxmlformats.org/drawingml/2006/main" w="9525">
+                <a14:hiddenLine xmlns:a="http://schemas.openxmlformats.org/drawingml/2006/main" xmlns:r="http://schemas.openxmlformats.org/officeDocument/2006/relationships" xmlns:p="http://schemas.openxmlformats.org/presentationml/2006/main" xmlns="" xmlns:a14="http://schemas.microsoft.com/office/drawing/2010/main" w="9525">
                   <a:solidFill>
                     <a:srgbClr val="000000"/>
                   </a:solidFill>
@@ -1997,7 +2008,7 @@
             </a:ln>
             <a:extLst>
               <a:ext uri="{91240B29-F687-4f45-9708-019B960494DF}">
-                <a14:hiddenLine xmlns:a14="http://schemas.microsoft.com/office/drawing/2010/main" xmlns="" xmlns:p="http://schemas.openxmlformats.org/presentationml/2006/main" xmlns:r="http://schemas.openxmlformats.org/officeDocument/2006/relationships" xmlns:a="http://schemas.openxmlformats.org/drawingml/2006/main" w="9525">
+                <a14:hiddenLine xmlns:a="http://schemas.openxmlformats.org/drawingml/2006/main" xmlns:r="http://schemas.openxmlformats.org/officeDocument/2006/relationships" xmlns:p="http://schemas.openxmlformats.org/presentationml/2006/main" xmlns="" xmlns:a14="http://schemas.microsoft.com/office/drawing/2010/main" w="9525">
                   <a:solidFill>
                     <a:srgbClr val="000000"/>
                   </a:solidFill>
@@ -2065,7 +2076,7 @@
             </a:ln>
             <a:extLst>
               <a:ext uri="{91240B29-F687-4f45-9708-019B960494DF}">
-                <a14:hiddenLine xmlns:a14="http://schemas.microsoft.com/office/drawing/2010/main" xmlns="" xmlns:p="http://schemas.openxmlformats.org/presentationml/2006/main" xmlns:r="http://schemas.openxmlformats.org/officeDocument/2006/relationships" xmlns:a="http://schemas.openxmlformats.org/drawingml/2006/main" w="9525">
+                <a14:hiddenLine xmlns:a="http://schemas.openxmlformats.org/drawingml/2006/main" xmlns:r="http://schemas.openxmlformats.org/officeDocument/2006/relationships" xmlns:p="http://schemas.openxmlformats.org/presentationml/2006/main" xmlns="" xmlns:a14="http://schemas.microsoft.com/office/drawing/2010/main" w="9525">
                   <a:solidFill>
                     <a:srgbClr val="000000"/>
                   </a:solidFill>
@@ -2155,7 +2166,7 @@
             </a:ln>
             <a:extLst>
               <a:ext uri="{91240B29-F687-4f45-9708-019B960494DF}">
-                <a14:hiddenLine xmlns:a14="http://schemas.microsoft.com/office/drawing/2010/main" xmlns="" xmlns:p="http://schemas.openxmlformats.org/presentationml/2006/main" xmlns:r="http://schemas.openxmlformats.org/officeDocument/2006/relationships" xmlns:a="http://schemas.openxmlformats.org/drawingml/2006/main" w="9525">
+                <a14:hiddenLine xmlns:a="http://schemas.openxmlformats.org/drawingml/2006/main" xmlns:r="http://schemas.openxmlformats.org/officeDocument/2006/relationships" xmlns:p="http://schemas.openxmlformats.org/presentationml/2006/main" xmlns="" xmlns:a14="http://schemas.microsoft.com/office/drawing/2010/main" w="9525">
                   <a:solidFill>
                     <a:srgbClr val="000000"/>
                   </a:solidFill>
@@ -2223,7 +2234,7 @@
             </a:ln>
             <a:extLst>
               <a:ext uri="{91240B29-F687-4f45-9708-019B960494DF}">
-                <a14:hiddenLine xmlns:a14="http://schemas.microsoft.com/office/drawing/2010/main" xmlns="" xmlns:p="http://schemas.openxmlformats.org/presentationml/2006/main" xmlns:r="http://schemas.openxmlformats.org/officeDocument/2006/relationships" xmlns:a="http://schemas.openxmlformats.org/drawingml/2006/main" w="9525">
+                <a14:hiddenLine xmlns:a="http://schemas.openxmlformats.org/drawingml/2006/main" xmlns:r="http://schemas.openxmlformats.org/officeDocument/2006/relationships" xmlns:p="http://schemas.openxmlformats.org/presentationml/2006/main" xmlns="" xmlns:a14="http://schemas.microsoft.com/office/drawing/2010/main" w="9525">
                   <a:solidFill>
                     <a:srgbClr val="000000"/>
                   </a:solidFill>
@@ -2313,7 +2324,7 @@
             </a:ln>
             <a:extLst>
               <a:ext uri="{91240B29-F687-4f45-9708-019B960494DF}">
-                <a14:hiddenLine xmlns:a14="http://schemas.microsoft.com/office/drawing/2010/main" xmlns="" xmlns:p="http://schemas.openxmlformats.org/presentationml/2006/main" xmlns:r="http://schemas.openxmlformats.org/officeDocument/2006/relationships" xmlns:a="http://schemas.openxmlformats.org/drawingml/2006/main" w="9525">
+                <a14:hiddenLine xmlns:a="http://schemas.openxmlformats.org/drawingml/2006/main" xmlns:r="http://schemas.openxmlformats.org/officeDocument/2006/relationships" xmlns:p="http://schemas.openxmlformats.org/presentationml/2006/main" xmlns="" xmlns:a14="http://schemas.microsoft.com/office/drawing/2010/main" w="9525">
                   <a:solidFill>
                     <a:srgbClr val="000000"/>
                   </a:solidFill>
@@ -2347,7 +2358,7 @@
             </a:ln>
             <a:extLst>
               <a:ext uri="{91240B29-F687-4f45-9708-019B960494DF}">
-                <a14:hiddenLine xmlns:a14="http://schemas.microsoft.com/office/drawing/2010/main" xmlns="" xmlns:p="http://schemas.openxmlformats.org/presentationml/2006/main" xmlns:r="http://schemas.openxmlformats.org/officeDocument/2006/relationships" xmlns:a="http://schemas.openxmlformats.org/drawingml/2006/main" w="9525">
+                <a14:hiddenLine xmlns:a="http://schemas.openxmlformats.org/drawingml/2006/main" xmlns:r="http://schemas.openxmlformats.org/officeDocument/2006/relationships" xmlns:p="http://schemas.openxmlformats.org/presentationml/2006/main" xmlns="" xmlns:a14="http://schemas.microsoft.com/office/drawing/2010/main" w="9525">
                   <a:solidFill>
                     <a:srgbClr val="000000"/>
                   </a:solidFill>
@@ -2437,7 +2448,7 @@
             </a:ln>
             <a:extLst>
               <a:ext uri="{91240B29-F687-4f45-9708-019B960494DF}">
-                <a14:hiddenLine xmlns:a14="http://schemas.microsoft.com/office/drawing/2010/main" xmlns="" xmlns:p="http://schemas.openxmlformats.org/presentationml/2006/main" xmlns:r="http://schemas.openxmlformats.org/officeDocument/2006/relationships" xmlns:a="http://schemas.openxmlformats.org/drawingml/2006/main" w="9525">
+                <a14:hiddenLine xmlns:a="http://schemas.openxmlformats.org/drawingml/2006/main" xmlns:r="http://schemas.openxmlformats.org/officeDocument/2006/relationships" xmlns:p="http://schemas.openxmlformats.org/presentationml/2006/main" xmlns="" xmlns:a14="http://schemas.microsoft.com/office/drawing/2010/main" w="9525">
                   <a:solidFill>
                     <a:srgbClr val="000000"/>
                   </a:solidFill>
@@ -2499,7 +2510,7 @@
             </a:ln>
             <a:extLst>
               <a:ext uri="{91240B29-F687-4f45-9708-019B960494DF}">
-                <a14:hiddenLine xmlns:a14="http://schemas.microsoft.com/office/drawing/2010/main" xmlns="" xmlns:p="http://schemas.openxmlformats.org/presentationml/2006/main" xmlns:r="http://schemas.openxmlformats.org/officeDocument/2006/relationships" xmlns:a="http://schemas.openxmlformats.org/drawingml/2006/main" w="9525">
+                <a14:hiddenLine xmlns:a="http://schemas.openxmlformats.org/drawingml/2006/main" xmlns:r="http://schemas.openxmlformats.org/officeDocument/2006/relationships" xmlns:p="http://schemas.openxmlformats.org/presentationml/2006/main" xmlns="" xmlns:a14="http://schemas.microsoft.com/office/drawing/2010/main" w="9525">
                   <a:solidFill>
                     <a:srgbClr val="000000"/>
                   </a:solidFill>
@@ -2561,7 +2572,7 @@
             </a:ln>
             <a:extLst>
               <a:ext uri="{91240B29-F687-4f45-9708-019B960494DF}">
-                <a14:hiddenLine xmlns:a14="http://schemas.microsoft.com/office/drawing/2010/main" xmlns="" xmlns:p="http://schemas.openxmlformats.org/presentationml/2006/main" xmlns:r="http://schemas.openxmlformats.org/officeDocument/2006/relationships" xmlns:a="http://schemas.openxmlformats.org/drawingml/2006/main" w="9525">
+                <a14:hiddenLine xmlns:a="http://schemas.openxmlformats.org/drawingml/2006/main" xmlns:r="http://schemas.openxmlformats.org/officeDocument/2006/relationships" xmlns:p="http://schemas.openxmlformats.org/presentationml/2006/main" xmlns="" xmlns:a14="http://schemas.microsoft.com/office/drawing/2010/main" w="9525">
                   <a:solidFill>
                     <a:srgbClr val="000000"/>
                   </a:solidFill>
@@ -2651,7 +2662,7 @@
             </a:ln>
             <a:extLst>
               <a:ext uri="{91240B29-F687-4f45-9708-019B960494DF}">
-                <a14:hiddenLine xmlns:a14="http://schemas.microsoft.com/office/drawing/2010/main" xmlns="" xmlns:p="http://schemas.openxmlformats.org/presentationml/2006/main" xmlns:r="http://schemas.openxmlformats.org/officeDocument/2006/relationships" xmlns:a="http://schemas.openxmlformats.org/drawingml/2006/main" w="9525">
+                <a14:hiddenLine xmlns:a="http://schemas.openxmlformats.org/drawingml/2006/main" xmlns:r="http://schemas.openxmlformats.org/officeDocument/2006/relationships" xmlns:p="http://schemas.openxmlformats.org/presentationml/2006/main" xmlns="" xmlns:a14="http://schemas.microsoft.com/office/drawing/2010/main" w="9525">
                   <a:solidFill>
                     <a:srgbClr val="000000"/>
                   </a:solidFill>
@@ -2719,7 +2730,7 @@
             </a:ln>
             <a:extLst>
               <a:ext uri="{91240B29-F687-4f45-9708-019B960494DF}">
-                <a14:hiddenLine xmlns:a14="http://schemas.microsoft.com/office/drawing/2010/main" xmlns="" xmlns:p="http://schemas.openxmlformats.org/presentationml/2006/main" xmlns:r="http://schemas.openxmlformats.org/officeDocument/2006/relationships" xmlns:a="http://schemas.openxmlformats.org/drawingml/2006/main" w="9525">
+                <a14:hiddenLine xmlns:a="http://schemas.openxmlformats.org/drawingml/2006/main" xmlns:r="http://schemas.openxmlformats.org/officeDocument/2006/relationships" xmlns:p="http://schemas.openxmlformats.org/presentationml/2006/main" xmlns="" xmlns:a14="http://schemas.microsoft.com/office/drawing/2010/main" w="9525">
                   <a:solidFill>
                     <a:srgbClr val="000000"/>
                   </a:solidFill>
@@ -2781,7 +2792,7 @@
             </a:ln>
             <a:extLst>
               <a:ext uri="{91240B29-F687-4f45-9708-019B960494DF}">
-                <a14:hiddenLine xmlns:a14="http://schemas.microsoft.com/office/drawing/2010/main" xmlns="" xmlns:p="http://schemas.openxmlformats.org/presentationml/2006/main" xmlns:r="http://schemas.openxmlformats.org/officeDocument/2006/relationships" xmlns:a="http://schemas.openxmlformats.org/drawingml/2006/main" w="9525">
+                <a14:hiddenLine xmlns:a="http://schemas.openxmlformats.org/drawingml/2006/main" xmlns:r="http://schemas.openxmlformats.org/officeDocument/2006/relationships" xmlns:p="http://schemas.openxmlformats.org/presentationml/2006/main" xmlns="" xmlns:a14="http://schemas.microsoft.com/office/drawing/2010/main" w="9525">
                   <a:solidFill>
                     <a:srgbClr val="000000"/>
                   </a:solidFill>
@@ -2871,7 +2882,7 @@
             </a:ln>
             <a:extLst>
               <a:ext uri="{91240B29-F687-4f45-9708-019B960494DF}">
-                <a14:hiddenLine xmlns:a14="http://schemas.microsoft.com/office/drawing/2010/main" xmlns="" xmlns:p="http://schemas.openxmlformats.org/presentationml/2006/main" xmlns:r="http://schemas.openxmlformats.org/officeDocument/2006/relationships" xmlns:a="http://schemas.openxmlformats.org/drawingml/2006/main" w="9525">
+                <a14:hiddenLine xmlns:a="http://schemas.openxmlformats.org/drawingml/2006/main" xmlns:r="http://schemas.openxmlformats.org/officeDocument/2006/relationships" xmlns:p="http://schemas.openxmlformats.org/presentationml/2006/main" xmlns="" xmlns:a14="http://schemas.microsoft.com/office/drawing/2010/main" w="9525">
                   <a:solidFill>
                     <a:srgbClr val="000000"/>
                   </a:solidFill>
@@ -2933,7 +2944,7 @@
             </a:ln>
             <a:extLst>
               <a:ext uri="{91240B29-F687-4f45-9708-019B960494DF}">
-                <a14:hiddenLine xmlns:a14="http://schemas.microsoft.com/office/drawing/2010/main" xmlns="" xmlns:p="http://schemas.openxmlformats.org/presentationml/2006/main" xmlns:r="http://schemas.openxmlformats.org/officeDocument/2006/relationships" xmlns:a="http://schemas.openxmlformats.org/drawingml/2006/main" w="9525">
+                <a14:hiddenLine xmlns:a="http://schemas.openxmlformats.org/drawingml/2006/main" xmlns:r="http://schemas.openxmlformats.org/officeDocument/2006/relationships" xmlns:p="http://schemas.openxmlformats.org/presentationml/2006/main" xmlns="" xmlns:a14="http://schemas.microsoft.com/office/drawing/2010/main" w="9525">
                   <a:solidFill>
                     <a:srgbClr val="000000"/>
                   </a:solidFill>
@@ -3023,7 +3034,7 @@
             </a:ln>
             <a:extLst>
               <a:ext uri="{91240B29-F687-4f45-9708-019B960494DF}">
-                <a14:hiddenLine xmlns:a14="http://schemas.microsoft.com/office/drawing/2010/main" xmlns="" xmlns:p="http://schemas.openxmlformats.org/presentationml/2006/main" xmlns:r="http://schemas.openxmlformats.org/officeDocument/2006/relationships" xmlns:a="http://schemas.openxmlformats.org/drawingml/2006/main" w="9525">
+                <a14:hiddenLine xmlns:a="http://schemas.openxmlformats.org/drawingml/2006/main" xmlns:r="http://schemas.openxmlformats.org/officeDocument/2006/relationships" xmlns:p="http://schemas.openxmlformats.org/presentationml/2006/main" xmlns="" xmlns:a14="http://schemas.microsoft.com/office/drawing/2010/main" w="9525">
                   <a:solidFill>
                     <a:srgbClr val="000000"/>
                   </a:solidFill>
@@ -3085,7 +3096,7 @@
             </a:ln>
             <a:extLst>
               <a:ext uri="{91240B29-F687-4f45-9708-019B960494DF}">
-                <a14:hiddenLine xmlns:a14="http://schemas.microsoft.com/office/drawing/2010/main" xmlns="" xmlns:p="http://schemas.openxmlformats.org/presentationml/2006/main" xmlns:r="http://schemas.openxmlformats.org/officeDocument/2006/relationships" xmlns:a="http://schemas.openxmlformats.org/drawingml/2006/main" w="9525">
+                <a14:hiddenLine xmlns:a="http://schemas.openxmlformats.org/drawingml/2006/main" xmlns:r="http://schemas.openxmlformats.org/officeDocument/2006/relationships" xmlns:p="http://schemas.openxmlformats.org/presentationml/2006/main" xmlns="" xmlns:a14="http://schemas.microsoft.com/office/drawing/2010/main" w="9525">
                   <a:solidFill>
                     <a:srgbClr val="000000"/>
                   </a:solidFill>
@@ -3175,7 +3186,7 @@
             </a:ln>
             <a:extLst>
               <a:ext uri="{91240B29-F687-4f45-9708-019B960494DF}">
-                <a14:hiddenLine xmlns:a14="http://schemas.microsoft.com/office/drawing/2010/main" xmlns="" xmlns:p="http://schemas.openxmlformats.org/presentationml/2006/main" xmlns:r="http://schemas.openxmlformats.org/officeDocument/2006/relationships" xmlns:a="http://schemas.openxmlformats.org/drawingml/2006/main" w="9525">
+                <a14:hiddenLine xmlns:a="http://schemas.openxmlformats.org/drawingml/2006/main" xmlns:r="http://schemas.openxmlformats.org/officeDocument/2006/relationships" xmlns:p="http://schemas.openxmlformats.org/presentationml/2006/main" xmlns="" xmlns:a14="http://schemas.microsoft.com/office/drawing/2010/main" w="9525">
                   <a:solidFill>
                     <a:srgbClr val="000000"/>
                   </a:solidFill>
@@ -3209,7 +3220,7 @@
             </a:ln>
             <a:extLst>
               <a:ext uri="{91240B29-F687-4f45-9708-019B960494DF}">
-                <a14:hiddenLine xmlns:a14="http://schemas.microsoft.com/office/drawing/2010/main" xmlns="" xmlns:p="http://schemas.openxmlformats.org/presentationml/2006/main" xmlns:r="http://schemas.openxmlformats.org/officeDocument/2006/relationships" xmlns:a="http://schemas.openxmlformats.org/drawingml/2006/main" w="9525">
+                <a14:hiddenLine xmlns:a="http://schemas.openxmlformats.org/drawingml/2006/main" xmlns:r="http://schemas.openxmlformats.org/officeDocument/2006/relationships" xmlns:p="http://schemas.openxmlformats.org/presentationml/2006/main" xmlns="" xmlns:a14="http://schemas.microsoft.com/office/drawing/2010/main" w="9525">
                   <a:solidFill>
                     <a:srgbClr val="000000"/>
                   </a:solidFill>
@@ -3274,7 +3285,7 @@
             </a:ln>
             <a:extLst>
               <a:ext uri="{91240B29-F687-4f45-9708-019B960494DF}">
-                <a14:hiddenLine xmlns:a14="http://schemas.microsoft.com/office/drawing/2010/main" xmlns="" xmlns:p="http://schemas.openxmlformats.org/presentationml/2006/main" xmlns:r="http://schemas.openxmlformats.org/officeDocument/2006/relationships" xmlns:a="http://schemas.openxmlformats.org/drawingml/2006/main" w="9525">
+                <a14:hiddenLine xmlns:a="http://schemas.openxmlformats.org/drawingml/2006/main" xmlns:r="http://schemas.openxmlformats.org/officeDocument/2006/relationships" xmlns:p="http://schemas.openxmlformats.org/presentationml/2006/main" xmlns="" xmlns:a14="http://schemas.microsoft.com/office/drawing/2010/main" w="9525">
                   <a:solidFill>
                     <a:srgbClr val="000000"/>
                   </a:solidFill>
@@ -3364,7 +3375,7 @@
             </a:ln>
             <a:extLst>
               <a:ext uri="{91240B29-F687-4f45-9708-019B960494DF}">
-                <a14:hiddenLine xmlns:a14="http://schemas.microsoft.com/office/drawing/2010/main" xmlns="" xmlns:p="http://schemas.openxmlformats.org/presentationml/2006/main" xmlns:r="http://schemas.openxmlformats.org/officeDocument/2006/relationships" xmlns:a="http://schemas.openxmlformats.org/drawingml/2006/main" w="9525">
+                <a14:hiddenLine xmlns:a="http://schemas.openxmlformats.org/drawingml/2006/main" xmlns:r="http://schemas.openxmlformats.org/officeDocument/2006/relationships" xmlns:p="http://schemas.openxmlformats.org/presentationml/2006/main" xmlns="" xmlns:a14="http://schemas.microsoft.com/office/drawing/2010/main" w="9525">
                   <a:solidFill>
                     <a:srgbClr val="000000"/>
                   </a:solidFill>
@@ -3426,7 +3437,7 @@
             </a:ln>
             <a:extLst>
               <a:ext uri="{91240B29-F687-4f45-9708-019B960494DF}">
-                <a14:hiddenLine xmlns:a14="http://schemas.microsoft.com/office/drawing/2010/main" xmlns="" xmlns:p="http://schemas.openxmlformats.org/presentationml/2006/main" xmlns:r="http://schemas.openxmlformats.org/officeDocument/2006/relationships" xmlns:a="http://schemas.openxmlformats.org/drawingml/2006/main" w="9525">
+                <a14:hiddenLine xmlns:a="http://schemas.openxmlformats.org/drawingml/2006/main" xmlns:r="http://schemas.openxmlformats.org/officeDocument/2006/relationships" xmlns:p="http://schemas.openxmlformats.org/presentationml/2006/main" xmlns="" xmlns:a14="http://schemas.microsoft.com/office/drawing/2010/main" w="9525">
                   <a:solidFill>
                     <a:srgbClr val="000000"/>
                   </a:solidFill>
@@ -3516,7 +3527,7 @@
             </a:ln>
             <a:extLst>
               <a:ext uri="{91240B29-F687-4f45-9708-019B960494DF}">
-                <a14:hiddenLine xmlns:a14="http://schemas.microsoft.com/office/drawing/2010/main" xmlns="" xmlns:p="http://schemas.openxmlformats.org/presentationml/2006/main" xmlns:r="http://schemas.openxmlformats.org/officeDocument/2006/relationships" xmlns:a="http://schemas.openxmlformats.org/drawingml/2006/main" w="9525">
+                <a14:hiddenLine xmlns:a="http://schemas.openxmlformats.org/drawingml/2006/main" xmlns:r="http://schemas.openxmlformats.org/officeDocument/2006/relationships" xmlns:p="http://schemas.openxmlformats.org/presentationml/2006/main" xmlns="" xmlns:a14="http://schemas.microsoft.com/office/drawing/2010/main" w="9525">
                   <a:solidFill>
                     <a:srgbClr val="000000"/>
                   </a:solidFill>
@@ -3606,7 +3617,7 @@
             </a:ln>
             <a:extLst>
               <a:ext uri="{91240B29-F687-4f45-9708-019B960494DF}">
-                <a14:hiddenLine xmlns:a14="http://schemas.microsoft.com/office/drawing/2010/main" xmlns="" xmlns:p="http://schemas.openxmlformats.org/presentationml/2006/main" xmlns:r="http://schemas.openxmlformats.org/officeDocument/2006/relationships" xmlns:a="http://schemas.openxmlformats.org/drawingml/2006/main" w="9525">
+                <a14:hiddenLine xmlns:a="http://schemas.openxmlformats.org/drawingml/2006/main" xmlns:r="http://schemas.openxmlformats.org/officeDocument/2006/relationships" xmlns:p="http://schemas.openxmlformats.org/presentationml/2006/main" xmlns="" xmlns:a14="http://schemas.microsoft.com/office/drawing/2010/main" w="9525">
                   <a:solidFill>
                     <a:srgbClr val="000000"/>
                   </a:solidFill>
@@ -3671,7 +3682,7 @@
             </a:ln>
             <a:extLst>
               <a:ext uri="{91240B29-F687-4f45-9708-019B960494DF}">
-                <a14:hiddenLine xmlns:a14="http://schemas.microsoft.com/office/drawing/2010/main" xmlns="" xmlns:p="http://schemas.openxmlformats.org/presentationml/2006/main" xmlns:r="http://schemas.openxmlformats.org/officeDocument/2006/relationships" xmlns:a="http://schemas.openxmlformats.org/drawingml/2006/main" w="9525">
+                <a14:hiddenLine xmlns:a="http://schemas.openxmlformats.org/drawingml/2006/main" xmlns:r="http://schemas.openxmlformats.org/officeDocument/2006/relationships" xmlns:p="http://schemas.openxmlformats.org/presentationml/2006/main" xmlns="" xmlns:a14="http://schemas.microsoft.com/office/drawing/2010/main" w="9525">
                   <a:solidFill>
                     <a:srgbClr val="000000"/>
                   </a:solidFill>
@@ -3733,7 +3744,7 @@
             </a:ln>
             <a:extLst>
               <a:ext uri="{91240B29-F687-4f45-9708-019B960494DF}">
-                <a14:hiddenLine xmlns:a14="http://schemas.microsoft.com/office/drawing/2010/main" xmlns="" xmlns:p="http://schemas.openxmlformats.org/presentationml/2006/main" xmlns:r="http://schemas.openxmlformats.org/officeDocument/2006/relationships" xmlns:a="http://schemas.openxmlformats.org/drawingml/2006/main" w="9525">
+                <a14:hiddenLine xmlns:a="http://schemas.openxmlformats.org/drawingml/2006/main" xmlns:r="http://schemas.openxmlformats.org/officeDocument/2006/relationships" xmlns:p="http://schemas.openxmlformats.org/presentationml/2006/main" xmlns="" xmlns:a14="http://schemas.microsoft.com/office/drawing/2010/main" w="9525">
                   <a:solidFill>
                     <a:srgbClr val="000000"/>
                   </a:solidFill>
@@ -3823,7 +3834,7 @@
             </a:ln>
             <a:extLst>
               <a:ext uri="{91240B29-F687-4f45-9708-019B960494DF}">
-                <a14:hiddenLine xmlns:a14="http://schemas.microsoft.com/office/drawing/2010/main" xmlns="" xmlns:p="http://schemas.openxmlformats.org/presentationml/2006/main" xmlns:r="http://schemas.openxmlformats.org/officeDocument/2006/relationships" xmlns:a="http://schemas.openxmlformats.org/drawingml/2006/main" w="9525">
+                <a14:hiddenLine xmlns:a="http://schemas.openxmlformats.org/drawingml/2006/main" xmlns:r="http://schemas.openxmlformats.org/officeDocument/2006/relationships" xmlns:p="http://schemas.openxmlformats.org/presentationml/2006/main" xmlns="" xmlns:a14="http://schemas.microsoft.com/office/drawing/2010/main" w="9525">
                   <a:solidFill>
                     <a:srgbClr val="000000"/>
                   </a:solidFill>
@@ -3913,7 +3924,7 @@
             </a:ln>
             <a:extLst>
               <a:ext uri="{91240B29-F687-4f45-9708-019B960494DF}">
-                <a14:hiddenLine xmlns:a14="http://schemas.microsoft.com/office/drawing/2010/main" xmlns="" xmlns:p="http://schemas.openxmlformats.org/presentationml/2006/main" xmlns:r="http://schemas.openxmlformats.org/officeDocument/2006/relationships" xmlns:a="http://schemas.openxmlformats.org/drawingml/2006/main" w="9525">
+                <a14:hiddenLine xmlns:a="http://schemas.openxmlformats.org/drawingml/2006/main" xmlns:r="http://schemas.openxmlformats.org/officeDocument/2006/relationships" xmlns:p="http://schemas.openxmlformats.org/presentationml/2006/main" xmlns="" xmlns:a14="http://schemas.microsoft.com/office/drawing/2010/main" w="9525">
                   <a:solidFill>
                     <a:srgbClr val="000000"/>
                   </a:solidFill>
@@ -3975,7 +3986,7 @@
             </a:ln>
             <a:extLst>
               <a:ext uri="{91240B29-F687-4f45-9708-019B960494DF}">
-                <a14:hiddenLine xmlns:a14="http://schemas.microsoft.com/office/drawing/2010/main" xmlns="" xmlns:p="http://schemas.openxmlformats.org/presentationml/2006/main" xmlns:r="http://schemas.openxmlformats.org/officeDocument/2006/relationships" xmlns:a="http://schemas.openxmlformats.org/drawingml/2006/main" w="9525">
+                <a14:hiddenLine xmlns:a="http://schemas.openxmlformats.org/drawingml/2006/main" xmlns:r="http://schemas.openxmlformats.org/officeDocument/2006/relationships" xmlns:p="http://schemas.openxmlformats.org/presentationml/2006/main" xmlns="" xmlns:a14="http://schemas.microsoft.com/office/drawing/2010/main" w="9525">
                   <a:solidFill>
                     <a:srgbClr val="000000"/>
                   </a:solidFill>
@@ -4095,7 +4106,7 @@
             </a:ln>
             <a:extLst>
               <a:ext uri="{91240B29-F687-4f45-9708-019B960494DF}">
-                <a14:hiddenLine xmlns:a14="http://schemas.microsoft.com/office/drawing/2010/main" xmlns="" xmlns:p="http://schemas.openxmlformats.org/presentationml/2006/main" xmlns:r="http://schemas.openxmlformats.org/officeDocument/2006/relationships" xmlns:a="http://schemas.openxmlformats.org/drawingml/2006/main" w="9525">
+                <a14:hiddenLine xmlns:a="http://schemas.openxmlformats.org/drawingml/2006/main" xmlns:r="http://schemas.openxmlformats.org/officeDocument/2006/relationships" xmlns:p="http://schemas.openxmlformats.org/presentationml/2006/main" xmlns="" xmlns:a14="http://schemas.microsoft.com/office/drawing/2010/main" w="9525">
                   <a:solidFill>
                     <a:srgbClr val="000000"/>
                   </a:solidFill>
@@ -4163,7 +4174,7 @@
             </a:ln>
             <a:extLst>
               <a:ext uri="{91240B29-F687-4f45-9708-019B960494DF}">
-                <a14:hiddenLine xmlns:a14="http://schemas.microsoft.com/office/drawing/2010/main" xmlns="" xmlns:p="http://schemas.openxmlformats.org/presentationml/2006/main" xmlns:r="http://schemas.openxmlformats.org/officeDocument/2006/relationships" xmlns:a="http://schemas.openxmlformats.org/drawingml/2006/main" w="9525">
+                <a14:hiddenLine xmlns:a="http://schemas.openxmlformats.org/drawingml/2006/main" xmlns:r="http://schemas.openxmlformats.org/officeDocument/2006/relationships" xmlns:p="http://schemas.openxmlformats.org/presentationml/2006/main" xmlns="" xmlns:a14="http://schemas.microsoft.com/office/drawing/2010/main" w="9525">
                   <a:solidFill>
                     <a:srgbClr val="000000"/>
                   </a:solidFill>
@@ -4253,7 +4264,7 @@
             </a:ln>
             <a:extLst>
               <a:ext uri="{91240B29-F687-4f45-9708-019B960494DF}">
-                <a14:hiddenLine xmlns:a14="http://schemas.microsoft.com/office/drawing/2010/main" xmlns="" xmlns:p="http://schemas.openxmlformats.org/presentationml/2006/main" xmlns:r="http://schemas.openxmlformats.org/officeDocument/2006/relationships" xmlns:a="http://schemas.openxmlformats.org/drawingml/2006/main" w="9525">
+                <a14:hiddenLine xmlns:a="http://schemas.openxmlformats.org/drawingml/2006/main" xmlns:r="http://schemas.openxmlformats.org/officeDocument/2006/relationships" xmlns:p="http://schemas.openxmlformats.org/presentationml/2006/main" xmlns="" xmlns:a14="http://schemas.microsoft.com/office/drawing/2010/main" w="9525">
                   <a:solidFill>
                     <a:srgbClr val="000000"/>
                   </a:solidFill>
@@ -4393,7 +4404,7 @@
           <a:p>
             <a:fld id="{48A87A34-81AB-432B-8DAE-1953F412C126}" type="datetimeFigureOut">
               <a:rPr lang="en-US" dirty="0"/>
-              <a:t>2017-05-15</a:t>
+              <a:t>2017-06-12</a:t>
             </a:fld>
             <a:endParaRPr lang="en-US" dirty="0"/>
           </a:p>
@@ -4448,6 +4459,136 @@
               <a:t>‹#›</a:t>
             </a:fld>
             <a:endParaRPr lang="en-US" dirty="0"/>
+          </a:p>
+        </p:txBody>
+      </p:sp>
+      <p:sp>
+        <p:nvSpPr>
+          <p:cNvPr id="67" name="Footer Placeholder 4">
+            <a:extLst>
+              <a:ext uri="{FF2B5EF4-FFF2-40B4-BE49-F238E27FC236}">
+                <a16:creationId xmlns:a16="http://schemas.microsoft.com/office/drawing/2014/main" id="{BBBF9704-E149-430F-AB80-DCF6231C695E}"/>
+              </a:ext>
+            </a:extLst>
+          </p:cNvPr>
+          <p:cNvSpPr txBox="1">
+            <a:spLocks/>
+          </p:cNvSpPr>
+          <p:nvPr userDrawn="1"/>
+        </p:nvSpPr>
+        <p:spPr>
+          <a:xfrm>
+            <a:off x="2119313" y="6440488"/>
+            <a:ext cx="7701398" cy="365125"/>
+          </a:xfrm>
+          <a:prstGeom prst="rect">
+            <a:avLst/>
+          </a:prstGeom>
+        </p:spPr>
+        <p:txBody>
+          <a:bodyPr vert="horz" lIns="91440" tIns="45720" rIns="91440" bIns="45720" rtlCol="0" anchor="ctr"/>
+          <a:lstStyle>
+            <a:defPPr>
+              <a:defRPr lang="en-US"/>
+            </a:defPPr>
+            <a:lvl1pPr marL="0" algn="l" defTabSz="457200" rtl="0" eaLnBrk="1" latinLnBrk="0" hangingPunct="1">
+              <a:defRPr sz="1050" kern="1200" cap="all" baseline="0%">
+                <a:solidFill>
+                  <a:schemeClr val="tx1">
+                    <a:tint val="75%"/>
+                  </a:schemeClr>
+                </a:solidFill>
+                <a:latin typeface="+mn-lt"/>
+                <a:ea typeface="+mn-ea"/>
+                <a:cs typeface="+mn-cs"/>
+              </a:defRPr>
+            </a:lvl1pPr>
+            <a:lvl2pPr marL="457200" algn="l" defTabSz="457200" rtl="0" eaLnBrk="1" latinLnBrk="0" hangingPunct="1">
+              <a:defRPr sz="1800" kern="1200">
+                <a:solidFill>
+                  <a:schemeClr val="tx1"/>
+                </a:solidFill>
+                <a:latin typeface="+mn-lt"/>
+                <a:ea typeface="+mn-ea"/>
+                <a:cs typeface="+mn-cs"/>
+              </a:defRPr>
+            </a:lvl2pPr>
+            <a:lvl3pPr marL="914400" algn="l" defTabSz="457200" rtl="0" eaLnBrk="1" latinLnBrk="0" hangingPunct="1">
+              <a:defRPr sz="1800" kern="1200">
+                <a:solidFill>
+                  <a:schemeClr val="tx1"/>
+                </a:solidFill>
+                <a:latin typeface="+mn-lt"/>
+                <a:ea typeface="+mn-ea"/>
+                <a:cs typeface="+mn-cs"/>
+              </a:defRPr>
+            </a:lvl3pPr>
+            <a:lvl4pPr marL="1371600" algn="l" defTabSz="457200" rtl="0" eaLnBrk="1" latinLnBrk="0" hangingPunct="1">
+              <a:defRPr sz="1800" kern="1200">
+                <a:solidFill>
+                  <a:schemeClr val="tx1"/>
+                </a:solidFill>
+                <a:latin typeface="+mn-lt"/>
+                <a:ea typeface="+mn-ea"/>
+                <a:cs typeface="+mn-cs"/>
+              </a:defRPr>
+            </a:lvl4pPr>
+            <a:lvl5pPr marL="1828800" algn="l" defTabSz="457200" rtl="0" eaLnBrk="1" latinLnBrk="0" hangingPunct="1">
+              <a:defRPr sz="1800" kern="1200">
+                <a:solidFill>
+                  <a:schemeClr val="tx1"/>
+                </a:solidFill>
+                <a:latin typeface="+mn-lt"/>
+                <a:ea typeface="+mn-ea"/>
+                <a:cs typeface="+mn-cs"/>
+              </a:defRPr>
+            </a:lvl5pPr>
+            <a:lvl6pPr marL="2286000" algn="l" defTabSz="457200" rtl="0" eaLnBrk="1" latinLnBrk="0" hangingPunct="1">
+              <a:defRPr sz="1800" kern="1200">
+                <a:solidFill>
+                  <a:schemeClr val="tx1"/>
+                </a:solidFill>
+                <a:latin typeface="+mn-lt"/>
+                <a:ea typeface="+mn-ea"/>
+                <a:cs typeface="+mn-cs"/>
+              </a:defRPr>
+            </a:lvl6pPr>
+            <a:lvl7pPr marL="2743200" algn="l" defTabSz="457200" rtl="0" eaLnBrk="1" latinLnBrk="0" hangingPunct="1">
+              <a:defRPr sz="1800" kern="1200">
+                <a:solidFill>
+                  <a:schemeClr val="tx1"/>
+                </a:solidFill>
+                <a:latin typeface="+mn-lt"/>
+                <a:ea typeface="+mn-ea"/>
+                <a:cs typeface="+mn-cs"/>
+              </a:defRPr>
+            </a:lvl7pPr>
+            <a:lvl8pPr marL="3200400" algn="l" defTabSz="457200" rtl="0" eaLnBrk="1" latinLnBrk="0" hangingPunct="1">
+              <a:defRPr sz="1800" kern="1200">
+                <a:solidFill>
+                  <a:schemeClr val="tx1"/>
+                </a:solidFill>
+                <a:latin typeface="+mn-lt"/>
+                <a:ea typeface="+mn-ea"/>
+                <a:cs typeface="+mn-cs"/>
+              </a:defRPr>
+            </a:lvl8pPr>
+            <a:lvl9pPr marL="3657600" algn="l" defTabSz="457200" rtl="0" eaLnBrk="1" latinLnBrk="0" hangingPunct="1">
+              <a:defRPr sz="1800" kern="1200">
+                <a:solidFill>
+                  <a:schemeClr val="tx1"/>
+                </a:solidFill>
+                <a:latin typeface="+mn-lt"/>
+                <a:ea typeface="+mn-ea"/>
+                <a:cs typeface="+mn-cs"/>
+              </a:defRPr>
+            </a:lvl9pPr>
+          </a:lstStyle>
+          <a:p>
+            <a:r>
+              <a:rPr lang="en-US" dirty="0"/>
+              <a:t>Hyperloop project, copyright High Tech Systems and Services 2016-2017</a:t>
+            </a:r>
           </a:p>
         </p:txBody>
       </p:sp>
@@ -4655,7 +4796,7 @@
           <a:p>
             <a:fld id="{48A87A34-81AB-432B-8DAE-1953F412C126}" type="datetimeFigureOut">
               <a:rPr lang="en-US" dirty="0"/>
-              <a:t>2017-05-15</a:t>
+              <a:t>2017-06-12</a:t>
             </a:fld>
             <a:endParaRPr lang="en-US" dirty="0"/>
           </a:p>
@@ -4846,7 +4987,7 @@
           <a:p>
             <a:fld id="{48A87A34-81AB-432B-8DAE-1953F412C126}" type="datetimeFigureOut">
               <a:rPr lang="en-US" dirty="0"/>
-              <a:t>2017-05-15</a:t>
+              <a:t>2017-06-12</a:t>
             </a:fld>
             <a:endParaRPr lang="en-US" dirty="0"/>
           </a:p>
@@ -5104,7 +5245,7 @@
           <a:p>
             <a:fld id="{48A87A34-81AB-432B-8DAE-1953F412C126}" type="datetimeFigureOut">
               <a:rPr lang="en-US" dirty="0"/>
-              <a:t>2017-05-15</a:t>
+              <a:t>2017-06-12</a:t>
             </a:fld>
             <a:endParaRPr lang="en-US" dirty="0"/>
           </a:p>
@@ -5533,7 +5674,7 @@
           <a:p>
             <a:fld id="{48A87A34-81AB-432B-8DAE-1953F412C126}" type="datetimeFigureOut">
               <a:rPr lang="en-US" dirty="0"/>
-              <a:t>2017-05-15</a:t>
+              <a:t>2017-06-12</a:t>
             </a:fld>
             <a:endParaRPr lang="en-US" dirty="0"/>
           </a:p>
@@ -6074,7 +6215,7 @@
           <a:p>
             <a:fld id="{48A87A34-81AB-432B-8DAE-1953F412C126}" type="datetimeFigureOut">
               <a:rPr lang="en-US" dirty="0"/>
-              <a:t>2017-05-15</a:t>
+              <a:t>2017-06-12</a:t>
             </a:fld>
             <a:endParaRPr lang="en-US" dirty="0"/>
           </a:p>
@@ -6789,7 +6930,7 @@
           <a:p>
             <a:fld id="{48A87A34-81AB-432B-8DAE-1953F412C126}" type="datetimeFigureOut">
               <a:rPr lang="en-US" dirty="0"/>
-              <a:t>2017-05-15</a:t>
+              <a:t>2017-06-12</a:t>
             </a:fld>
             <a:endParaRPr lang="en-US" dirty="0"/>
           </a:p>
@@ -6954,7 +7095,7 @@
           <a:p>
             <a:fld id="{48A87A34-81AB-432B-8DAE-1953F412C126}" type="datetimeFigureOut">
               <a:rPr lang="en-US" dirty="0"/>
-              <a:t>2017-05-15</a:t>
+              <a:t>2017-06-12</a:t>
             </a:fld>
             <a:endParaRPr lang="en-US" dirty="0"/>
           </a:p>
@@ -7129,7 +7270,7 @@
           <a:p>
             <a:fld id="{48A87A34-81AB-432B-8DAE-1953F412C126}" type="datetimeFigureOut">
               <a:rPr lang="en-US" dirty="0"/>
-              <a:t>2017-05-15</a:t>
+              <a:t>2017-06-12</a:t>
             </a:fld>
             <a:endParaRPr lang="en-US" dirty="0"/>
           </a:p>
@@ -7294,7 +7435,7 @@
           <a:p>
             <a:fld id="{48A87A34-81AB-432B-8DAE-1953F412C126}" type="datetimeFigureOut">
               <a:rPr lang="en-US" dirty="0"/>
-              <a:t>2017-05-15</a:t>
+              <a:t>2017-06-12</a:t>
             </a:fld>
             <a:endParaRPr lang="en-US" dirty="0"/>
           </a:p>
@@ -7339,6 +7480,137 @@
               <a:t>‹#›</a:t>
             </a:fld>
             <a:endParaRPr lang="en-US" dirty="0"/>
+          </a:p>
+        </p:txBody>
+      </p:sp>
+      <p:sp>
+        <p:nvSpPr>
+          <p:cNvPr id="7" name="Footer Placeholder 4">
+            <a:extLst>
+              <a:ext uri="{FF2B5EF4-FFF2-40B4-BE49-F238E27FC236}">
+                <a16:creationId xmlns:a16="http://schemas.microsoft.com/office/drawing/2014/main" id="{CF1E7FB8-6226-4585-B9E9-91A1212FE4C7}"/>
+              </a:ext>
+            </a:extLst>
+          </p:cNvPr>
+          <p:cNvSpPr txBox="1">
+            <a:spLocks/>
+          </p:cNvSpPr>
+          <p:nvPr userDrawn="1"/>
+        </p:nvSpPr>
+        <p:spPr>
+          <a:xfrm>
+            <a:off x="969962" y="6440487"/>
+            <a:ext cx="10290432" cy="365125"/>
+          </a:xfrm>
+          <a:prstGeom prst="rect">
+            <a:avLst/>
+          </a:prstGeom>
+        </p:spPr>
+        <p:txBody>
+          <a:bodyPr vert="horz" lIns="91440" tIns="45720" rIns="91440" bIns="45720" rtlCol="0" anchor="ctr"/>
+          <a:lstStyle>
+            <a:defPPr>
+              <a:defRPr lang="en-US"/>
+            </a:defPPr>
+            <a:lvl1pPr marL="0" algn="l" defTabSz="457200" rtl="0" eaLnBrk="1" latinLnBrk="0" hangingPunct="1">
+              <a:defRPr sz="1050" kern="1200" cap="all" baseline="0%">
+                <a:solidFill>
+                  <a:schemeClr val="tx1">
+                    <a:tint val="75%"/>
+                  </a:schemeClr>
+                </a:solidFill>
+                <a:latin typeface="+mn-lt"/>
+                <a:ea typeface="+mn-ea"/>
+                <a:cs typeface="+mn-cs"/>
+              </a:defRPr>
+            </a:lvl1pPr>
+            <a:lvl2pPr marL="457200" algn="l" defTabSz="457200" rtl="0" eaLnBrk="1" latinLnBrk="0" hangingPunct="1">
+              <a:defRPr sz="1800" kern="1200">
+                <a:solidFill>
+                  <a:schemeClr val="tx1"/>
+                </a:solidFill>
+                <a:latin typeface="+mn-lt"/>
+                <a:ea typeface="+mn-ea"/>
+                <a:cs typeface="+mn-cs"/>
+              </a:defRPr>
+            </a:lvl2pPr>
+            <a:lvl3pPr marL="914400" algn="l" defTabSz="457200" rtl="0" eaLnBrk="1" latinLnBrk="0" hangingPunct="1">
+              <a:defRPr sz="1800" kern="1200">
+                <a:solidFill>
+                  <a:schemeClr val="tx1"/>
+                </a:solidFill>
+                <a:latin typeface="+mn-lt"/>
+                <a:ea typeface="+mn-ea"/>
+                <a:cs typeface="+mn-cs"/>
+              </a:defRPr>
+            </a:lvl3pPr>
+            <a:lvl4pPr marL="1371600" algn="l" defTabSz="457200" rtl="0" eaLnBrk="1" latinLnBrk="0" hangingPunct="1">
+              <a:defRPr sz="1800" kern="1200">
+                <a:solidFill>
+                  <a:schemeClr val="tx1"/>
+                </a:solidFill>
+                <a:latin typeface="+mn-lt"/>
+                <a:ea typeface="+mn-ea"/>
+                <a:cs typeface="+mn-cs"/>
+              </a:defRPr>
+            </a:lvl4pPr>
+            <a:lvl5pPr marL="1828800" algn="l" defTabSz="457200" rtl="0" eaLnBrk="1" latinLnBrk="0" hangingPunct="1">
+              <a:defRPr sz="1800" kern="1200">
+                <a:solidFill>
+                  <a:schemeClr val="tx1"/>
+                </a:solidFill>
+                <a:latin typeface="+mn-lt"/>
+                <a:ea typeface="+mn-ea"/>
+                <a:cs typeface="+mn-cs"/>
+              </a:defRPr>
+            </a:lvl5pPr>
+            <a:lvl6pPr marL="2286000" algn="l" defTabSz="457200" rtl="0" eaLnBrk="1" latinLnBrk="0" hangingPunct="1">
+              <a:defRPr sz="1800" kern="1200">
+                <a:solidFill>
+                  <a:schemeClr val="tx1"/>
+                </a:solidFill>
+                <a:latin typeface="+mn-lt"/>
+                <a:ea typeface="+mn-ea"/>
+                <a:cs typeface="+mn-cs"/>
+              </a:defRPr>
+            </a:lvl6pPr>
+            <a:lvl7pPr marL="2743200" algn="l" defTabSz="457200" rtl="0" eaLnBrk="1" latinLnBrk="0" hangingPunct="1">
+              <a:defRPr sz="1800" kern="1200">
+                <a:solidFill>
+                  <a:schemeClr val="tx1"/>
+                </a:solidFill>
+                <a:latin typeface="+mn-lt"/>
+                <a:ea typeface="+mn-ea"/>
+                <a:cs typeface="+mn-cs"/>
+              </a:defRPr>
+            </a:lvl7pPr>
+            <a:lvl8pPr marL="3200400" algn="l" defTabSz="457200" rtl="0" eaLnBrk="1" latinLnBrk="0" hangingPunct="1">
+              <a:defRPr sz="1800" kern="1200">
+                <a:solidFill>
+                  <a:schemeClr val="tx1"/>
+                </a:solidFill>
+                <a:latin typeface="+mn-lt"/>
+                <a:ea typeface="+mn-ea"/>
+                <a:cs typeface="+mn-cs"/>
+              </a:defRPr>
+            </a:lvl8pPr>
+            <a:lvl9pPr marL="3657600" algn="l" defTabSz="457200" rtl="0" eaLnBrk="1" latinLnBrk="0" hangingPunct="1">
+              <a:defRPr sz="1800" kern="1200">
+                <a:solidFill>
+                  <a:schemeClr val="tx1"/>
+                </a:solidFill>
+                <a:latin typeface="+mn-lt"/>
+                <a:ea typeface="+mn-ea"/>
+                <a:cs typeface="+mn-cs"/>
+              </a:defRPr>
+            </a:lvl9pPr>
+          </a:lstStyle>
+          <a:p>
+            <a:pPr algn="ctr"/>
+            <a:r>
+              <a:rPr lang="en-US" dirty="0"/>
+              <a:t>Hyperloop project, copyright High Tech Systems and Services 2016-2017</a:t>
+            </a:r>
           </a:p>
         </p:txBody>
       </p:sp>
@@ -7539,7 +7811,7 @@
           <a:p>
             <a:fld id="{48A87A34-81AB-432B-8DAE-1953F412C126}" type="datetimeFigureOut">
               <a:rPr lang="en-US" dirty="0"/>
-              <a:t>2017-05-15</a:t>
+              <a:t>2017-06-12</a:t>
             </a:fld>
             <a:endParaRPr lang="en-US" dirty="0"/>
           </a:p>
@@ -7766,7 +8038,7 @@
           <a:p>
             <a:fld id="{48A87A34-81AB-432B-8DAE-1953F412C126}" type="datetimeFigureOut">
               <a:rPr lang="en-US" dirty="0"/>
-              <a:t>2017-05-15</a:t>
+              <a:t>2017-06-12</a:t>
             </a:fld>
             <a:endParaRPr lang="en-US" dirty="0"/>
           </a:p>
@@ -8142,7 +8414,7 @@
           <a:p>
             <a:fld id="{48A87A34-81AB-432B-8DAE-1953F412C126}" type="datetimeFigureOut">
               <a:rPr lang="en-US" dirty="0"/>
-              <a:t>2017-05-15</a:t>
+              <a:t>2017-06-12</a:t>
             </a:fld>
             <a:endParaRPr lang="en-US" dirty="0"/>
           </a:p>
@@ -8255,7 +8527,7 @@
           <a:p>
             <a:fld id="{48A87A34-81AB-432B-8DAE-1953F412C126}" type="datetimeFigureOut">
               <a:rPr lang="en-US" dirty="0"/>
-              <a:t>2017-05-15</a:t>
+              <a:t>2017-06-12</a:t>
             </a:fld>
             <a:endParaRPr lang="en-US" dirty="0"/>
           </a:p>
@@ -8345,7 +8617,7 @@
           <a:p>
             <a:fld id="{48A87A34-81AB-432B-8DAE-1953F412C126}" type="datetimeFigureOut">
               <a:rPr lang="en-US" dirty="0"/>
-              <a:t>2017-05-15</a:t>
+              <a:t>2017-06-12</a:t>
             </a:fld>
             <a:endParaRPr lang="en-US" dirty="0"/>
           </a:p>
@@ -8589,7 +8861,7 @@
           <a:p>
             <a:fld id="{48A87A34-81AB-432B-8DAE-1953F412C126}" type="datetimeFigureOut">
               <a:rPr lang="en-US" dirty="0"/>
-              <a:t>2017-05-15</a:t>
+              <a:t>2017-06-12</a:t>
             </a:fld>
             <a:endParaRPr lang="en-US" dirty="0"/>
           </a:p>
@@ -8864,7 +9136,7 @@
           <a:p>
             <a:fld id="{48A87A34-81AB-432B-8DAE-1953F412C126}" type="datetimeFigureOut">
               <a:rPr lang="en-US" dirty="0"/>
-              <a:t>2017-05-15</a:t>
+              <a:t>2017-06-12</a:t>
             </a:fld>
             <a:endParaRPr lang="en-US" dirty="0"/>
           </a:p>
@@ -8966,7 +9238,7 @@
         </p:blipFill>
         <p:spPr bwMode="auto">
           <a:xfrm>
-            <a:off x="0" y="-1"/>
+            <a:off x="-81116" y="232926"/>
             <a:ext cx="12192003" cy="6858001"/>
           </a:xfrm>
           <a:prstGeom prst="rect">
@@ -8975,7 +9247,7 @@
           <a:noFill/>
           <a:extLst>
             <a:ext uri="{909E8E84-426E-40dd-AFC4-6F175D3DCCD1}">
-              <a14:hiddenFill xmlns:a14="http://schemas.microsoft.com/office/drawing/2010/main" xmlns="" xmlns:p="http://schemas.openxmlformats.org/presentationml/2006/main" xmlns:r="http://schemas.openxmlformats.org/officeDocument/2006/relationships" xmlns:a="http://schemas.openxmlformats.org/drawingml/2006/main">
+              <a14:hiddenFill xmlns:a="http://schemas.openxmlformats.org/drawingml/2006/main" xmlns:r="http://schemas.openxmlformats.org/officeDocument/2006/relationships" xmlns:p="http://schemas.openxmlformats.org/presentationml/2006/main" xmlns="" xmlns:a14="http://schemas.microsoft.com/office/drawing/2010/main">
                 <a:solidFill>
                   <a:srgbClr val="FFFFFF"/>
                 </a:solidFill>
@@ -9049,7 +9321,7 @@
               </a:ln>
               <a:extLst>
                 <a:ext uri="{91240B29-F687-4f45-9708-019B960494DF}">
-                  <a14:hiddenLine xmlns:a14="http://schemas.microsoft.com/office/drawing/2010/main" xmlns="" xmlns:p="http://schemas.openxmlformats.org/presentationml/2006/main" xmlns:r="http://schemas.openxmlformats.org/officeDocument/2006/relationships" xmlns:a="http://schemas.openxmlformats.org/drawingml/2006/main" w="9525">
+                  <a14:hiddenLine xmlns:a="http://schemas.openxmlformats.org/drawingml/2006/main" xmlns:r="http://schemas.openxmlformats.org/officeDocument/2006/relationships" xmlns:p="http://schemas.openxmlformats.org/presentationml/2006/main" xmlns="" xmlns:a14="http://schemas.microsoft.com/office/drawing/2010/main" w="9525">
                     <a:solidFill>
                       <a:srgbClr val="000000"/>
                     </a:solidFill>
@@ -9139,7 +9411,7 @@
               </a:ln>
               <a:extLst>
                 <a:ext uri="{91240B29-F687-4f45-9708-019B960494DF}">
-                  <a14:hiddenLine xmlns:a14="http://schemas.microsoft.com/office/drawing/2010/main" xmlns="" xmlns:p="http://schemas.openxmlformats.org/presentationml/2006/main" xmlns:r="http://schemas.openxmlformats.org/officeDocument/2006/relationships" xmlns:a="http://schemas.openxmlformats.org/drawingml/2006/main" w="9525">
+                  <a14:hiddenLine xmlns:a="http://schemas.openxmlformats.org/drawingml/2006/main" xmlns:r="http://schemas.openxmlformats.org/officeDocument/2006/relationships" xmlns:p="http://schemas.openxmlformats.org/presentationml/2006/main" xmlns="" xmlns:a14="http://schemas.microsoft.com/office/drawing/2010/main" w="9525">
                     <a:solidFill>
                       <a:srgbClr val="000000"/>
                     </a:solidFill>
@@ -9229,7 +9501,7 @@
               </a:ln>
               <a:extLst>
                 <a:ext uri="{91240B29-F687-4f45-9708-019B960494DF}">
-                  <a14:hiddenLine xmlns:a14="http://schemas.microsoft.com/office/drawing/2010/main" xmlns="" xmlns:p="http://schemas.openxmlformats.org/presentationml/2006/main" xmlns:r="http://schemas.openxmlformats.org/officeDocument/2006/relationships" xmlns:a="http://schemas.openxmlformats.org/drawingml/2006/main" w="9525">
+                  <a14:hiddenLine xmlns:a="http://schemas.openxmlformats.org/drawingml/2006/main" xmlns:r="http://schemas.openxmlformats.org/officeDocument/2006/relationships" xmlns:p="http://schemas.openxmlformats.org/presentationml/2006/main" xmlns="" xmlns:a14="http://schemas.microsoft.com/office/drawing/2010/main" w="9525">
                     <a:solidFill>
                       <a:srgbClr val="000000"/>
                     </a:solidFill>
@@ -9291,7 +9563,7 @@
               </a:ln>
               <a:extLst>
                 <a:ext uri="{91240B29-F687-4f45-9708-019B960494DF}">
-                  <a14:hiddenLine xmlns:a14="http://schemas.microsoft.com/office/drawing/2010/main" xmlns="" xmlns:p="http://schemas.openxmlformats.org/presentationml/2006/main" xmlns:r="http://schemas.openxmlformats.org/officeDocument/2006/relationships" xmlns:a="http://schemas.openxmlformats.org/drawingml/2006/main" w="9525">
+                  <a14:hiddenLine xmlns:a="http://schemas.openxmlformats.org/drawingml/2006/main" xmlns:r="http://schemas.openxmlformats.org/officeDocument/2006/relationships" xmlns:p="http://schemas.openxmlformats.org/presentationml/2006/main" xmlns="" xmlns:a14="http://schemas.microsoft.com/office/drawing/2010/main" w="9525">
                     <a:solidFill>
                       <a:srgbClr val="000000"/>
                     </a:solidFill>
@@ -9381,7 +9653,7 @@
               </a:ln>
               <a:extLst>
                 <a:ext uri="{91240B29-F687-4f45-9708-019B960494DF}">
-                  <a14:hiddenLine xmlns:a14="http://schemas.microsoft.com/office/drawing/2010/main" xmlns="" xmlns:p="http://schemas.openxmlformats.org/presentationml/2006/main" xmlns:r="http://schemas.openxmlformats.org/officeDocument/2006/relationships" xmlns:a="http://schemas.openxmlformats.org/drawingml/2006/main" w="9525">
+                  <a14:hiddenLine xmlns:a="http://schemas.openxmlformats.org/drawingml/2006/main" xmlns:r="http://schemas.openxmlformats.org/officeDocument/2006/relationships" xmlns:p="http://schemas.openxmlformats.org/presentationml/2006/main" xmlns="" xmlns:a14="http://schemas.microsoft.com/office/drawing/2010/main" w="9525">
                     <a:solidFill>
                       <a:srgbClr val="000000"/>
                     </a:solidFill>
@@ -9443,7 +9715,7 @@
               </a:ln>
               <a:extLst>
                 <a:ext uri="{91240B29-F687-4f45-9708-019B960494DF}">
-                  <a14:hiddenLine xmlns:a14="http://schemas.microsoft.com/office/drawing/2010/main" xmlns="" xmlns:p="http://schemas.openxmlformats.org/presentationml/2006/main" xmlns:r="http://schemas.openxmlformats.org/officeDocument/2006/relationships" xmlns:a="http://schemas.openxmlformats.org/drawingml/2006/main" w="9525">
+                  <a14:hiddenLine xmlns:a="http://schemas.openxmlformats.org/drawingml/2006/main" xmlns:r="http://schemas.openxmlformats.org/officeDocument/2006/relationships" xmlns:p="http://schemas.openxmlformats.org/presentationml/2006/main" xmlns="" xmlns:a14="http://schemas.microsoft.com/office/drawing/2010/main" w="9525">
                     <a:solidFill>
                       <a:srgbClr val="000000"/>
                     </a:solidFill>
@@ -9505,7 +9777,7 @@
               </a:ln>
               <a:extLst>
                 <a:ext uri="{91240B29-F687-4f45-9708-019B960494DF}">
-                  <a14:hiddenLine xmlns:a14="http://schemas.microsoft.com/office/drawing/2010/main" xmlns="" xmlns:p="http://schemas.openxmlformats.org/presentationml/2006/main" xmlns:r="http://schemas.openxmlformats.org/officeDocument/2006/relationships" xmlns:a="http://schemas.openxmlformats.org/drawingml/2006/main" w="9525">
+                  <a14:hiddenLine xmlns:a="http://schemas.openxmlformats.org/drawingml/2006/main" xmlns:r="http://schemas.openxmlformats.org/officeDocument/2006/relationships" xmlns:p="http://schemas.openxmlformats.org/presentationml/2006/main" xmlns="" xmlns:a14="http://schemas.microsoft.com/office/drawing/2010/main" w="9525">
                     <a:solidFill>
                       <a:srgbClr val="000000"/>
                     </a:solidFill>
@@ -9595,7 +9867,7 @@
               </a:ln>
               <a:extLst>
                 <a:ext uri="{91240B29-F687-4f45-9708-019B960494DF}">
-                  <a14:hiddenLine xmlns:a14="http://schemas.microsoft.com/office/drawing/2010/main" xmlns="" xmlns:p="http://schemas.openxmlformats.org/presentationml/2006/main" xmlns:r="http://schemas.openxmlformats.org/officeDocument/2006/relationships" xmlns:a="http://schemas.openxmlformats.org/drawingml/2006/main" w="9525">
+                  <a14:hiddenLine xmlns:a="http://schemas.openxmlformats.org/drawingml/2006/main" xmlns:r="http://schemas.openxmlformats.org/officeDocument/2006/relationships" xmlns:p="http://schemas.openxmlformats.org/presentationml/2006/main" xmlns="" xmlns:a14="http://schemas.microsoft.com/office/drawing/2010/main" w="9525">
                     <a:solidFill>
                       <a:srgbClr val="000000"/>
                     </a:solidFill>
@@ -9685,7 +9957,7 @@
               </a:ln>
               <a:extLst>
                 <a:ext uri="{91240B29-F687-4f45-9708-019B960494DF}">
-                  <a14:hiddenLine xmlns:a14="http://schemas.microsoft.com/office/drawing/2010/main" xmlns="" xmlns:p="http://schemas.openxmlformats.org/presentationml/2006/main" xmlns:r="http://schemas.openxmlformats.org/officeDocument/2006/relationships" xmlns:a="http://schemas.openxmlformats.org/drawingml/2006/main" w="9525">
+                  <a14:hiddenLine xmlns:a="http://schemas.openxmlformats.org/drawingml/2006/main" xmlns:r="http://schemas.openxmlformats.org/officeDocument/2006/relationships" xmlns:p="http://schemas.openxmlformats.org/presentationml/2006/main" xmlns="" xmlns:a14="http://schemas.microsoft.com/office/drawing/2010/main" w="9525">
                     <a:solidFill>
                       <a:srgbClr val="000000"/>
                     </a:solidFill>
@@ -9747,7 +10019,7 @@
               </a:ln>
               <a:extLst>
                 <a:ext uri="{91240B29-F687-4f45-9708-019B960494DF}">
-                  <a14:hiddenLine xmlns:a14="http://schemas.microsoft.com/office/drawing/2010/main" xmlns="" xmlns:p="http://schemas.openxmlformats.org/presentationml/2006/main" xmlns:r="http://schemas.openxmlformats.org/officeDocument/2006/relationships" xmlns:a="http://schemas.openxmlformats.org/drawingml/2006/main" w="9525">
+                  <a14:hiddenLine xmlns:a="http://schemas.openxmlformats.org/drawingml/2006/main" xmlns:r="http://schemas.openxmlformats.org/officeDocument/2006/relationships" xmlns:p="http://schemas.openxmlformats.org/presentationml/2006/main" xmlns="" xmlns:a14="http://schemas.microsoft.com/office/drawing/2010/main" w="9525">
                     <a:solidFill>
                       <a:srgbClr val="000000"/>
                     </a:solidFill>
@@ -9857,7 +10129,7 @@
               </a:ln>
               <a:extLst>
                 <a:ext uri="{91240B29-F687-4f45-9708-019B960494DF}">
-                  <a14:hiddenLine xmlns:a14="http://schemas.microsoft.com/office/drawing/2010/main" xmlns="" xmlns:p="http://schemas.openxmlformats.org/presentationml/2006/main" xmlns:r="http://schemas.openxmlformats.org/officeDocument/2006/relationships" xmlns:a="http://schemas.openxmlformats.org/drawingml/2006/main" w="9525">
+                  <a14:hiddenLine xmlns:a="http://schemas.openxmlformats.org/drawingml/2006/main" xmlns:r="http://schemas.openxmlformats.org/officeDocument/2006/relationships" xmlns:p="http://schemas.openxmlformats.org/presentationml/2006/main" xmlns="" xmlns:a14="http://schemas.microsoft.com/office/drawing/2010/main" w="9525">
                     <a:solidFill>
                       <a:srgbClr val="000000"/>
                     </a:solidFill>
@@ -9941,7 +10213,7 @@
               </a:ln>
               <a:extLst>
                 <a:ext uri="{91240B29-F687-4f45-9708-019B960494DF}">
-                  <a14:hiddenLine xmlns:a14="http://schemas.microsoft.com/office/drawing/2010/main" xmlns="" xmlns:p="http://schemas.openxmlformats.org/presentationml/2006/main" xmlns:r="http://schemas.openxmlformats.org/officeDocument/2006/relationships" xmlns:a="http://schemas.openxmlformats.org/drawingml/2006/main" w="9525">
+                  <a14:hiddenLine xmlns:a="http://schemas.openxmlformats.org/drawingml/2006/main" xmlns:r="http://schemas.openxmlformats.org/officeDocument/2006/relationships" xmlns:p="http://schemas.openxmlformats.org/presentationml/2006/main" xmlns="" xmlns:a14="http://schemas.microsoft.com/office/drawing/2010/main" w="9525">
                     <a:solidFill>
                       <a:srgbClr val="000000"/>
                     </a:solidFill>
@@ -10003,7 +10275,7 @@
               </a:ln>
               <a:extLst>
                 <a:ext uri="{91240B29-F687-4f45-9708-019B960494DF}">
-                  <a14:hiddenLine xmlns:a14="http://schemas.microsoft.com/office/drawing/2010/main" xmlns="" xmlns:p="http://schemas.openxmlformats.org/presentationml/2006/main" xmlns:r="http://schemas.openxmlformats.org/officeDocument/2006/relationships" xmlns:a="http://schemas.openxmlformats.org/drawingml/2006/main" w="9525">
+                  <a14:hiddenLine xmlns:a="http://schemas.openxmlformats.org/drawingml/2006/main" xmlns:r="http://schemas.openxmlformats.org/officeDocument/2006/relationships" xmlns:p="http://schemas.openxmlformats.org/presentationml/2006/main" xmlns="" xmlns:a14="http://schemas.microsoft.com/office/drawing/2010/main" w="9525">
                     <a:solidFill>
                       <a:srgbClr val="000000"/>
                     </a:solidFill>
@@ -10065,7 +10337,7 @@
               </a:ln>
               <a:extLst>
                 <a:ext uri="{91240B29-F687-4f45-9708-019B960494DF}">
-                  <a14:hiddenLine xmlns:a14="http://schemas.microsoft.com/office/drawing/2010/main" xmlns="" xmlns:p="http://schemas.openxmlformats.org/presentationml/2006/main" xmlns:r="http://schemas.openxmlformats.org/officeDocument/2006/relationships" xmlns:a="http://schemas.openxmlformats.org/drawingml/2006/main" w="9525">
+                  <a14:hiddenLine xmlns:a="http://schemas.openxmlformats.org/drawingml/2006/main" xmlns:r="http://schemas.openxmlformats.org/officeDocument/2006/relationships" xmlns:p="http://schemas.openxmlformats.org/presentationml/2006/main" xmlns="" xmlns:a14="http://schemas.microsoft.com/office/drawing/2010/main" w="9525">
                     <a:solidFill>
                       <a:srgbClr val="000000"/>
                     </a:solidFill>
@@ -10155,7 +10427,7 @@
               </a:ln>
               <a:extLst>
                 <a:ext uri="{91240B29-F687-4f45-9708-019B960494DF}">
-                  <a14:hiddenLine xmlns:a14="http://schemas.microsoft.com/office/drawing/2010/main" xmlns="" xmlns:p="http://schemas.openxmlformats.org/presentationml/2006/main" xmlns:r="http://schemas.openxmlformats.org/officeDocument/2006/relationships" xmlns:a="http://schemas.openxmlformats.org/drawingml/2006/main" w="9525">
+                  <a14:hiddenLine xmlns:a="http://schemas.openxmlformats.org/drawingml/2006/main" xmlns:r="http://schemas.openxmlformats.org/officeDocument/2006/relationships" xmlns:p="http://schemas.openxmlformats.org/presentationml/2006/main" xmlns="" xmlns:a14="http://schemas.microsoft.com/office/drawing/2010/main" w="9525">
                     <a:solidFill>
                       <a:srgbClr val="000000"/>
                     </a:solidFill>
@@ -10189,7 +10461,7 @@
               </a:ln>
               <a:extLst>
                 <a:ext uri="{91240B29-F687-4f45-9708-019B960494DF}">
-                  <a14:hiddenLine xmlns:a14="http://schemas.microsoft.com/office/drawing/2010/main" xmlns="" xmlns:p="http://schemas.openxmlformats.org/presentationml/2006/main" xmlns:r="http://schemas.openxmlformats.org/officeDocument/2006/relationships" xmlns:a="http://schemas.openxmlformats.org/drawingml/2006/main" w="9525">
+                  <a14:hiddenLine xmlns:a="http://schemas.openxmlformats.org/drawingml/2006/main" xmlns:r="http://schemas.openxmlformats.org/officeDocument/2006/relationships" xmlns:p="http://schemas.openxmlformats.org/presentationml/2006/main" xmlns="" xmlns:a14="http://schemas.microsoft.com/office/drawing/2010/main" w="9525">
                     <a:solidFill>
                       <a:srgbClr val="000000"/>
                     </a:solidFill>
@@ -10254,7 +10526,7 @@
               </a:ln>
               <a:extLst>
                 <a:ext uri="{91240B29-F687-4f45-9708-019B960494DF}">
-                  <a14:hiddenLine xmlns:a14="http://schemas.microsoft.com/office/drawing/2010/main" xmlns="" xmlns:p="http://schemas.openxmlformats.org/presentationml/2006/main" xmlns:r="http://schemas.openxmlformats.org/officeDocument/2006/relationships" xmlns:a="http://schemas.openxmlformats.org/drawingml/2006/main" w="9525">
+                  <a14:hiddenLine xmlns:a="http://schemas.openxmlformats.org/drawingml/2006/main" xmlns:r="http://schemas.openxmlformats.org/officeDocument/2006/relationships" xmlns:p="http://schemas.openxmlformats.org/presentationml/2006/main" xmlns="" xmlns:a14="http://schemas.microsoft.com/office/drawing/2010/main" w="9525">
                     <a:solidFill>
                       <a:srgbClr val="000000"/>
                     </a:solidFill>
@@ -10344,7 +10616,7 @@
               </a:ln>
               <a:extLst>
                 <a:ext uri="{91240B29-F687-4f45-9708-019B960494DF}">
-                  <a14:hiddenLine xmlns:a14="http://schemas.microsoft.com/office/drawing/2010/main" xmlns="" xmlns:p="http://schemas.openxmlformats.org/presentationml/2006/main" xmlns:r="http://schemas.openxmlformats.org/officeDocument/2006/relationships" xmlns:a="http://schemas.openxmlformats.org/drawingml/2006/main" w="9525">
+                  <a14:hiddenLine xmlns:a="http://schemas.openxmlformats.org/drawingml/2006/main" xmlns:r="http://schemas.openxmlformats.org/officeDocument/2006/relationships" xmlns:p="http://schemas.openxmlformats.org/presentationml/2006/main" xmlns="" xmlns:a14="http://schemas.microsoft.com/office/drawing/2010/main" w="9525">
                     <a:solidFill>
                       <a:srgbClr val="000000"/>
                     </a:solidFill>
@@ -10406,7 +10678,7 @@
               </a:ln>
               <a:extLst>
                 <a:ext uri="{91240B29-F687-4f45-9708-019B960494DF}">
-                  <a14:hiddenLine xmlns:a14="http://schemas.microsoft.com/office/drawing/2010/main" xmlns="" xmlns:p="http://schemas.openxmlformats.org/presentationml/2006/main" xmlns:r="http://schemas.openxmlformats.org/officeDocument/2006/relationships" xmlns:a="http://schemas.openxmlformats.org/drawingml/2006/main" w="9525">
+                  <a14:hiddenLine xmlns:a="http://schemas.openxmlformats.org/drawingml/2006/main" xmlns:r="http://schemas.openxmlformats.org/officeDocument/2006/relationships" xmlns:p="http://schemas.openxmlformats.org/presentationml/2006/main" xmlns="" xmlns:a14="http://schemas.microsoft.com/office/drawing/2010/main" w="9525">
                     <a:solidFill>
                       <a:srgbClr val="000000"/>
                     </a:solidFill>
@@ -10496,7 +10768,7 @@
               </a:ln>
               <a:extLst>
                 <a:ext uri="{91240B29-F687-4f45-9708-019B960494DF}">
-                  <a14:hiddenLine xmlns:a14="http://schemas.microsoft.com/office/drawing/2010/main" xmlns="" xmlns:p="http://schemas.openxmlformats.org/presentationml/2006/main" xmlns:r="http://schemas.openxmlformats.org/officeDocument/2006/relationships" xmlns:a="http://schemas.openxmlformats.org/drawingml/2006/main" w="9525">
+                  <a14:hiddenLine xmlns:a="http://schemas.openxmlformats.org/drawingml/2006/main" xmlns:r="http://schemas.openxmlformats.org/officeDocument/2006/relationships" xmlns:p="http://schemas.openxmlformats.org/presentationml/2006/main" xmlns="" xmlns:a14="http://schemas.microsoft.com/office/drawing/2010/main" w="9525">
                     <a:solidFill>
                       <a:srgbClr val="000000"/>
                     </a:solidFill>
@@ -10561,7 +10833,7 @@
               </a:ln>
               <a:extLst>
                 <a:ext uri="{91240B29-F687-4f45-9708-019B960494DF}">
-                  <a14:hiddenLine xmlns:a14="http://schemas.microsoft.com/office/drawing/2010/main" xmlns="" xmlns:p="http://schemas.openxmlformats.org/presentationml/2006/main" xmlns:r="http://schemas.openxmlformats.org/officeDocument/2006/relationships" xmlns:a="http://schemas.openxmlformats.org/drawingml/2006/main" w="9525">
+                  <a14:hiddenLine xmlns:a="http://schemas.openxmlformats.org/drawingml/2006/main" xmlns:r="http://schemas.openxmlformats.org/officeDocument/2006/relationships" xmlns:p="http://schemas.openxmlformats.org/presentationml/2006/main" xmlns="" xmlns:a14="http://schemas.microsoft.com/office/drawing/2010/main" w="9525">
                     <a:solidFill>
                       <a:srgbClr val="000000"/>
                     </a:solidFill>
@@ -10623,7 +10895,7 @@
               </a:ln>
               <a:extLst>
                 <a:ext uri="{91240B29-F687-4f45-9708-019B960494DF}">
-                  <a14:hiddenLine xmlns:a14="http://schemas.microsoft.com/office/drawing/2010/main" xmlns="" xmlns:p="http://schemas.openxmlformats.org/presentationml/2006/main" xmlns:r="http://schemas.openxmlformats.org/officeDocument/2006/relationships" xmlns:a="http://schemas.openxmlformats.org/drawingml/2006/main" w="9525">
+                  <a14:hiddenLine xmlns:a="http://schemas.openxmlformats.org/drawingml/2006/main" xmlns:r="http://schemas.openxmlformats.org/officeDocument/2006/relationships" xmlns:p="http://schemas.openxmlformats.org/presentationml/2006/main" xmlns="" xmlns:a14="http://schemas.microsoft.com/office/drawing/2010/main" w="9525">
                     <a:solidFill>
                       <a:srgbClr val="000000"/>
                     </a:solidFill>
@@ -10713,7 +10985,7 @@
               </a:ln>
               <a:extLst>
                 <a:ext uri="{91240B29-F687-4f45-9708-019B960494DF}">
-                  <a14:hiddenLine xmlns:a14="http://schemas.microsoft.com/office/drawing/2010/main" xmlns="" xmlns:p="http://schemas.openxmlformats.org/presentationml/2006/main" xmlns:r="http://schemas.openxmlformats.org/officeDocument/2006/relationships" xmlns:a="http://schemas.openxmlformats.org/drawingml/2006/main" w="9525">
+                  <a14:hiddenLine xmlns:a="http://schemas.openxmlformats.org/drawingml/2006/main" xmlns:r="http://schemas.openxmlformats.org/officeDocument/2006/relationships" xmlns:p="http://schemas.openxmlformats.org/presentationml/2006/main" xmlns="" xmlns:a14="http://schemas.microsoft.com/office/drawing/2010/main" w="9525">
                     <a:solidFill>
                       <a:srgbClr val="000000"/>
                     </a:solidFill>
@@ -10803,7 +11075,7 @@
               </a:ln>
               <a:extLst>
                 <a:ext uri="{91240B29-F687-4f45-9708-019B960494DF}">
-                  <a14:hiddenLine xmlns:a14="http://schemas.microsoft.com/office/drawing/2010/main" xmlns="" xmlns:p="http://schemas.openxmlformats.org/presentationml/2006/main" xmlns:r="http://schemas.openxmlformats.org/officeDocument/2006/relationships" xmlns:a="http://schemas.openxmlformats.org/drawingml/2006/main" w="9525">
+                  <a14:hiddenLine xmlns:a="http://schemas.openxmlformats.org/drawingml/2006/main" xmlns:r="http://schemas.openxmlformats.org/officeDocument/2006/relationships" xmlns:p="http://schemas.openxmlformats.org/presentationml/2006/main" xmlns="" xmlns:a14="http://schemas.microsoft.com/office/drawing/2010/main" w="9525">
                     <a:solidFill>
                       <a:srgbClr val="000000"/>
                     </a:solidFill>
@@ -10868,7 +11140,7 @@
               </a:ln>
               <a:extLst>
                 <a:ext uri="{91240B29-F687-4f45-9708-019B960494DF}">
-                  <a14:hiddenLine xmlns:a14="http://schemas.microsoft.com/office/drawing/2010/main" xmlns="" xmlns:p="http://schemas.openxmlformats.org/presentationml/2006/main" xmlns:r="http://schemas.openxmlformats.org/officeDocument/2006/relationships" xmlns:a="http://schemas.openxmlformats.org/drawingml/2006/main" w="9525">
+                  <a14:hiddenLine xmlns:a="http://schemas.openxmlformats.org/drawingml/2006/main" xmlns:r="http://schemas.openxmlformats.org/officeDocument/2006/relationships" xmlns:p="http://schemas.openxmlformats.org/presentationml/2006/main" xmlns="" xmlns:a14="http://schemas.microsoft.com/office/drawing/2010/main" w="9525">
                     <a:solidFill>
                       <a:srgbClr val="000000"/>
                     </a:solidFill>
@@ -10988,7 +11260,7 @@
               </a:ln>
               <a:extLst>
                 <a:ext uri="{91240B29-F687-4f45-9708-019B960494DF}">
-                  <a14:hiddenLine xmlns:a14="http://schemas.microsoft.com/office/drawing/2010/main" xmlns="" xmlns:p="http://schemas.openxmlformats.org/presentationml/2006/main" xmlns:r="http://schemas.openxmlformats.org/officeDocument/2006/relationships" xmlns:a="http://schemas.openxmlformats.org/drawingml/2006/main" w="9525">
+                  <a14:hiddenLine xmlns:a="http://schemas.openxmlformats.org/drawingml/2006/main" xmlns:r="http://schemas.openxmlformats.org/officeDocument/2006/relationships" xmlns:p="http://schemas.openxmlformats.org/presentationml/2006/main" xmlns="" xmlns:a14="http://schemas.microsoft.com/office/drawing/2010/main" w="9525">
                     <a:solidFill>
                       <a:srgbClr val="000000"/>
                     </a:solidFill>
@@ -11086,7 +11358,7 @@
               </a:ln>
               <a:extLst>
                 <a:ext uri="{91240B29-F687-4f45-9708-019B960494DF}">
-                  <a14:hiddenLine xmlns:a14="http://schemas.microsoft.com/office/drawing/2010/main" xmlns="" xmlns:p="http://schemas.openxmlformats.org/presentationml/2006/main" xmlns:r="http://schemas.openxmlformats.org/officeDocument/2006/relationships" xmlns:a="http://schemas.openxmlformats.org/drawingml/2006/main" w="9525">
+                  <a14:hiddenLine xmlns:a="http://schemas.openxmlformats.org/drawingml/2006/main" xmlns:r="http://schemas.openxmlformats.org/officeDocument/2006/relationships" xmlns:p="http://schemas.openxmlformats.org/presentationml/2006/main" xmlns="" xmlns:a14="http://schemas.microsoft.com/office/drawing/2010/main" w="9525">
                     <a:solidFill>
                       <a:srgbClr val="000000"/>
                     </a:solidFill>
@@ -11201,7 +11473,7 @@
               </a:ln>
               <a:extLst>
                 <a:ext uri="{91240B29-F687-4f45-9708-019B960494DF}">
-                  <a14:hiddenLine xmlns:a14="http://schemas.microsoft.com/office/drawing/2010/main" xmlns="" xmlns:p="http://schemas.openxmlformats.org/presentationml/2006/main" xmlns:r="http://schemas.openxmlformats.org/officeDocument/2006/relationships" xmlns:a="http://schemas.openxmlformats.org/drawingml/2006/main" w="9525">
+                  <a14:hiddenLine xmlns:a="http://schemas.openxmlformats.org/drawingml/2006/main" xmlns:r="http://schemas.openxmlformats.org/officeDocument/2006/relationships" xmlns:p="http://schemas.openxmlformats.org/presentationml/2006/main" xmlns="" xmlns:a14="http://schemas.microsoft.com/office/drawing/2010/main" w="9525">
                     <a:solidFill>
                       <a:srgbClr val="000000"/>
                     </a:solidFill>
@@ -11291,7 +11563,7 @@
               </a:ln>
               <a:extLst>
                 <a:ext uri="{91240B29-F687-4f45-9708-019B960494DF}">
-                  <a14:hiddenLine xmlns:a14="http://schemas.microsoft.com/office/drawing/2010/main" xmlns="" xmlns:p="http://schemas.openxmlformats.org/presentationml/2006/main" xmlns:r="http://schemas.openxmlformats.org/officeDocument/2006/relationships" xmlns:a="http://schemas.openxmlformats.org/drawingml/2006/main" w="9525">
+                  <a14:hiddenLine xmlns:a="http://schemas.openxmlformats.org/drawingml/2006/main" xmlns:r="http://schemas.openxmlformats.org/officeDocument/2006/relationships" xmlns:p="http://schemas.openxmlformats.org/presentationml/2006/main" xmlns="" xmlns:a14="http://schemas.microsoft.com/office/drawing/2010/main" w="9525">
                     <a:solidFill>
                       <a:srgbClr val="000000"/>
                     </a:solidFill>
@@ -11356,7 +11628,7 @@
               </a:ln>
               <a:extLst>
                 <a:ext uri="{91240B29-F687-4f45-9708-019B960494DF}">
-                  <a14:hiddenLine xmlns:a14="http://schemas.microsoft.com/office/drawing/2010/main" xmlns="" xmlns:p="http://schemas.openxmlformats.org/presentationml/2006/main" xmlns:r="http://schemas.openxmlformats.org/officeDocument/2006/relationships" xmlns:a="http://schemas.openxmlformats.org/drawingml/2006/main" w="9525">
+                  <a14:hiddenLine xmlns:a="http://schemas.openxmlformats.org/drawingml/2006/main" xmlns:r="http://schemas.openxmlformats.org/officeDocument/2006/relationships" xmlns:p="http://schemas.openxmlformats.org/presentationml/2006/main" xmlns="" xmlns:a14="http://schemas.microsoft.com/office/drawing/2010/main" w="9525">
                     <a:solidFill>
                       <a:srgbClr val="000000"/>
                     </a:solidFill>
@@ -11446,7 +11718,7 @@
               </a:ln>
               <a:extLst>
                 <a:ext uri="{91240B29-F687-4f45-9708-019B960494DF}">
-                  <a14:hiddenLine xmlns:a14="http://schemas.microsoft.com/office/drawing/2010/main" xmlns="" xmlns:p="http://schemas.openxmlformats.org/presentationml/2006/main" xmlns:r="http://schemas.openxmlformats.org/officeDocument/2006/relationships" xmlns:a="http://schemas.openxmlformats.org/drawingml/2006/main" w="9525">
+                  <a14:hiddenLine xmlns:a="http://schemas.openxmlformats.org/drawingml/2006/main" xmlns:r="http://schemas.openxmlformats.org/officeDocument/2006/relationships" xmlns:p="http://schemas.openxmlformats.org/presentationml/2006/main" xmlns="" xmlns:a14="http://schemas.microsoft.com/office/drawing/2010/main" w="9525">
                     <a:solidFill>
                       <a:srgbClr val="000000"/>
                     </a:solidFill>
@@ -11514,7 +11786,7 @@
               </a:ln>
               <a:extLst>
                 <a:ext uri="{91240B29-F687-4f45-9708-019B960494DF}">
-                  <a14:hiddenLine xmlns:a14="http://schemas.microsoft.com/office/drawing/2010/main" xmlns="" xmlns:p="http://schemas.openxmlformats.org/presentationml/2006/main" xmlns:r="http://schemas.openxmlformats.org/officeDocument/2006/relationships" xmlns:a="http://schemas.openxmlformats.org/drawingml/2006/main" w="9525">
+                  <a14:hiddenLine xmlns:a="http://schemas.openxmlformats.org/drawingml/2006/main" xmlns:r="http://schemas.openxmlformats.org/officeDocument/2006/relationships" xmlns:p="http://schemas.openxmlformats.org/presentationml/2006/main" xmlns="" xmlns:a14="http://schemas.microsoft.com/office/drawing/2010/main" w="9525">
                     <a:solidFill>
                       <a:srgbClr val="000000"/>
                     </a:solidFill>
@@ -11604,7 +11876,7 @@
               </a:ln>
               <a:extLst>
                 <a:ext uri="{91240B29-F687-4f45-9708-019B960494DF}">
-                  <a14:hiddenLine xmlns:a14="http://schemas.microsoft.com/office/drawing/2010/main" xmlns="" xmlns:p="http://schemas.openxmlformats.org/presentationml/2006/main" xmlns:r="http://schemas.openxmlformats.org/officeDocument/2006/relationships" xmlns:a="http://schemas.openxmlformats.org/drawingml/2006/main" w="9525">
+                  <a14:hiddenLine xmlns:a="http://schemas.openxmlformats.org/drawingml/2006/main" xmlns:r="http://schemas.openxmlformats.org/officeDocument/2006/relationships" xmlns:p="http://schemas.openxmlformats.org/presentationml/2006/main" xmlns="" xmlns:a14="http://schemas.microsoft.com/office/drawing/2010/main" w="9525">
                     <a:solidFill>
                       <a:srgbClr val="000000"/>
                     </a:solidFill>
@@ -11672,7 +11944,7 @@
               </a:ln>
               <a:extLst>
                 <a:ext uri="{91240B29-F687-4f45-9708-019B960494DF}">
-                  <a14:hiddenLine xmlns:a14="http://schemas.microsoft.com/office/drawing/2010/main" xmlns="" xmlns:p="http://schemas.openxmlformats.org/presentationml/2006/main" xmlns:r="http://schemas.openxmlformats.org/officeDocument/2006/relationships" xmlns:a="http://schemas.openxmlformats.org/drawingml/2006/main" w="9525">
+                  <a14:hiddenLine xmlns:a="http://schemas.openxmlformats.org/drawingml/2006/main" xmlns:r="http://schemas.openxmlformats.org/officeDocument/2006/relationships" xmlns:p="http://schemas.openxmlformats.org/presentationml/2006/main" xmlns="" xmlns:a14="http://schemas.microsoft.com/office/drawing/2010/main" w="9525">
                     <a:solidFill>
                       <a:srgbClr val="000000"/>
                     </a:solidFill>
@@ -11762,7 +12034,7 @@
               </a:ln>
               <a:extLst>
                 <a:ext uri="{91240B29-F687-4f45-9708-019B960494DF}">
-                  <a14:hiddenLine xmlns:a14="http://schemas.microsoft.com/office/drawing/2010/main" xmlns="" xmlns:p="http://schemas.openxmlformats.org/presentationml/2006/main" xmlns:r="http://schemas.openxmlformats.org/officeDocument/2006/relationships" xmlns:a="http://schemas.openxmlformats.org/drawingml/2006/main" w="9525">
+                  <a14:hiddenLine xmlns:a="http://schemas.openxmlformats.org/drawingml/2006/main" xmlns:r="http://schemas.openxmlformats.org/officeDocument/2006/relationships" xmlns:p="http://schemas.openxmlformats.org/presentationml/2006/main" xmlns="" xmlns:a14="http://schemas.microsoft.com/office/drawing/2010/main" w="9525">
                     <a:solidFill>
                       <a:srgbClr val="000000"/>
                     </a:solidFill>
@@ -11796,7 +12068,7 @@
               </a:ln>
               <a:extLst>
                 <a:ext uri="{91240B29-F687-4f45-9708-019B960494DF}">
-                  <a14:hiddenLine xmlns:a14="http://schemas.microsoft.com/office/drawing/2010/main" xmlns="" xmlns:p="http://schemas.openxmlformats.org/presentationml/2006/main" xmlns:r="http://schemas.openxmlformats.org/officeDocument/2006/relationships" xmlns:a="http://schemas.openxmlformats.org/drawingml/2006/main" w="9525">
+                  <a14:hiddenLine xmlns:a="http://schemas.openxmlformats.org/drawingml/2006/main" xmlns:r="http://schemas.openxmlformats.org/officeDocument/2006/relationships" xmlns:p="http://schemas.openxmlformats.org/presentationml/2006/main" xmlns="" xmlns:a14="http://schemas.microsoft.com/office/drawing/2010/main" w="9525">
                     <a:solidFill>
                       <a:srgbClr val="000000"/>
                     </a:solidFill>
@@ -11937,7 +12209,7 @@
             <a:fld id="{48A87A34-81AB-432B-8DAE-1953F412C126}" type="datetimeFigureOut">
               <a:rPr lang="en-US" dirty="0"/>
               <a:pPr/>
-              <a:t>2017-05-15</a:t>
+              <a:t>2017-06-12</a:t>
             </a:fld>
             <a:endParaRPr lang="en-US" dirty="0"/>
           </a:p>
@@ -11955,8 +12227,8 @@
         </p:nvSpPr>
         <p:spPr>
           <a:xfrm>
-            <a:off x="1141411" y="5883275"/>
-            <a:ext cx="6239309" cy="365125"/>
+            <a:off x="969962" y="6440488"/>
+            <a:ext cx="10280801" cy="365125"/>
           </a:xfrm>
           <a:prstGeom prst="rect">
             <a:avLst/>
@@ -11965,7 +12237,7 @@
         <p:txBody>
           <a:bodyPr vert="horz" lIns="91440" tIns="45720" rIns="91440" bIns="45720" rtlCol="0" anchor="ctr"/>
           <a:lstStyle>
-            <a:lvl1pPr algn="l">
+            <a:lvl1pPr algn="ctr">
               <a:defRPr sz="1050" cap="all" baseline="0%">
                 <a:solidFill>
                   <a:schemeClr val="tx1">
@@ -11976,6 +12248,10 @@
             </a:lvl1pPr>
           </a:lstStyle>
           <a:p>
+            <a:r>
+              <a:rPr lang="en-US"/>
+              <a:t>Hyperloop project, copyright High Tech Systems and Services 2016-2017</a:t>
+            </a:r>
             <a:endParaRPr lang="en-US" dirty="0"/>
           </a:p>
         </p:txBody>
@@ -12446,759 +12722,6 @@
           <a:p>
             <a:r>
               <a:rPr lang="en-US" dirty="0"/>
-              <a:t>Construct churn model and predict potential churn customers</a:t>
-            </a:r>
-          </a:p>
-        </p:txBody>
-      </p:sp>
-      <p:sp>
-        <p:nvSpPr>
-          <p:cNvPr id="3" name="Content Placeholder 2"/>
-          <p:cNvSpPr>
-            <a:spLocks noGrp="1"/>
-          </p:cNvSpPr>
-          <p:nvPr>
-            <p:ph idx="1"/>
-          </p:nvPr>
-        </p:nvSpPr>
-        <p:spPr/>
-        <p:txBody>
-          <a:bodyPr/>
-          <a:lstStyle/>
-          <a:p>
-            <a:r>
-              <a:rPr lang="en-US" dirty="0"/>
-              <a:t>Advanced churn model is </a:t>
-            </a:r>
-            <a:r>
-              <a:rPr lang="en-US" dirty="0" err="1"/>
-              <a:t>automaticly</a:t>
-            </a:r>
-            <a:r>
-              <a:rPr lang="en-US" dirty="0"/>
-              <a:t> and </a:t>
-            </a:r>
-            <a:r>
-              <a:rPr lang="en-US" dirty="0" err="1"/>
-              <a:t>continously</a:t>
-            </a:r>
-            <a:r>
-              <a:rPr lang="en-US" dirty="0"/>
-              <a:t> updated based on transactional data</a:t>
-            </a:r>
-          </a:p>
-          <a:p>
-            <a:r>
-              <a:rPr lang="en-US" dirty="0"/>
-              <a:t>Customers with high churn risk are marked</a:t>
-            </a:r>
-          </a:p>
-        </p:txBody>
-      </p:sp>
-    </p:spTree>
-    <p:extLst>
-      <p:ext uri="{BB962C8B-B14F-4D97-AF65-F5344CB8AC3E}">
-        <p14:creationId xmlns:p14="http://schemas.microsoft.com/office/powerpoint/2010/main" val="3082974096"/>
-      </p:ext>
-    </p:extLst>
-  </p:cSld>
-  <p:clrMapOvr>
-    <a:masterClrMapping/>
-  </p:clrMapOvr>
-</p:sld>
-</file>
-
-<file path=ppt/slides/slide11.xml><?xml version="1.0" encoding="utf-8"?>
-<p:sld xmlns:a="http://purl.oclc.org/ooxml/drawingml/main" xmlns:r="http://purl.oclc.org/ooxml/officeDocument/relationships" xmlns:p="http://purl.oclc.org/ooxml/presentationml/main">
-  <p:cSld>
-    <p:spTree>
-      <p:nvGrpSpPr>
-        <p:cNvPr id="1" name=""/>
-        <p:cNvGrpSpPr/>
-        <p:nvPr/>
-      </p:nvGrpSpPr>
-      <p:grpSpPr>
-        <a:xfrm>
-          <a:off x="0" y="0"/>
-          <a:ext cx="0" cy="0"/>
-          <a:chOff x="0" y="0"/>
-          <a:chExt cx="0" cy="0"/>
-        </a:xfrm>
-      </p:grpSpPr>
-      <p:sp>
-        <p:nvSpPr>
-          <p:cNvPr id="2" name="Title 1"/>
-          <p:cNvSpPr>
-            <a:spLocks noGrp="1"/>
-          </p:cNvSpPr>
-          <p:nvPr>
-            <p:ph type="title"/>
-          </p:nvPr>
-        </p:nvSpPr>
-        <p:spPr/>
-        <p:txBody>
-          <a:bodyPr>
-            <a:normAutofit/>
-          </a:bodyPr>
-          <a:lstStyle/>
-          <a:p>
-            <a:r>
-              <a:rPr lang="en-US" dirty="0"/>
-              <a:t>Use predicted potential churn customers and use recommendation model to mitigate </a:t>
-            </a:r>
-          </a:p>
-        </p:txBody>
-      </p:sp>
-      <p:sp>
-        <p:nvSpPr>
-          <p:cNvPr id="3" name="Content Placeholder 2"/>
-          <p:cNvSpPr>
-            <a:spLocks noGrp="1"/>
-          </p:cNvSpPr>
-          <p:nvPr>
-            <p:ph idx="1"/>
-          </p:nvPr>
-        </p:nvSpPr>
-        <p:spPr/>
-        <p:txBody>
-          <a:bodyPr/>
-          <a:lstStyle/>
-          <a:p>
-            <a:r>
-              <a:rPr lang="en-US" dirty="0"/>
-              <a:t>Our advanced Machine Learning modules microsegment the customers with high churn risk</a:t>
-            </a:r>
-          </a:p>
-          <a:p>
-            <a:r>
-              <a:rPr lang="en-US" dirty="0"/>
-              <a:t>For each churn microsegment the systems analyzes purchase and recommendations prediction to propose a “churn mitigation campaign”</a:t>
-            </a:r>
-          </a:p>
-        </p:txBody>
-      </p:sp>
-    </p:spTree>
-    <p:extLst>
-      <p:ext uri="{BB962C8B-B14F-4D97-AF65-F5344CB8AC3E}">
-        <p14:creationId xmlns:p14="http://schemas.microsoft.com/office/powerpoint/2010/main" val="420805890"/>
-      </p:ext>
-    </p:extLst>
-  </p:cSld>
-  <p:clrMapOvr>
-    <a:masterClrMapping/>
-  </p:clrMapOvr>
-</p:sld>
-</file>
-
-<file path=ppt/slides/slide2.xml><?xml version="1.0" encoding="utf-8"?>
-<p:sld xmlns:a="http://purl.oclc.org/ooxml/drawingml/main" xmlns:r="http://purl.oclc.org/ooxml/officeDocument/relationships" xmlns:p="http://purl.oclc.org/ooxml/presentationml/main">
-  <p:cSld>
-    <p:spTree>
-      <p:nvGrpSpPr>
-        <p:cNvPr id="1" name=""/>
-        <p:cNvGrpSpPr/>
-        <p:nvPr/>
-      </p:nvGrpSpPr>
-      <p:grpSpPr>
-        <a:xfrm>
-          <a:off x="0" y="0"/>
-          <a:ext cx="0" cy="0"/>
-          <a:chOff x="0" y="0"/>
-          <a:chExt cx="0" cy="0"/>
-        </a:xfrm>
-      </p:grpSpPr>
-      <p:sp>
-        <p:nvSpPr>
-          <p:cNvPr id="2" name="Title 1"/>
-          <p:cNvSpPr>
-            <a:spLocks noGrp="1"/>
-          </p:cNvSpPr>
-          <p:nvPr>
-            <p:ph type="title"/>
-          </p:nvPr>
-        </p:nvSpPr>
-        <p:spPr/>
-        <p:txBody>
-          <a:bodyPr/>
-          <a:lstStyle/>
-          <a:p>
-            <a:r>
-              <a:rPr lang="en-US" dirty="0"/>
-              <a:t>7 stage pipeline approach</a:t>
-            </a:r>
-          </a:p>
-        </p:txBody>
-      </p:sp>
-      <p:sp>
-        <p:nvSpPr>
-          <p:cNvPr id="3" name="Content Placeholder 2"/>
-          <p:cNvSpPr>
-            <a:spLocks noGrp="1"/>
-          </p:cNvSpPr>
-          <p:nvPr>
-            <p:ph idx="1"/>
-          </p:nvPr>
-        </p:nvSpPr>
-        <p:spPr/>
-        <p:txBody>
-          <a:bodyPr>
-            <a:normAutofit fontScale="92.5%" lnSpcReduction="20%"/>
-          </a:bodyPr>
-          <a:lstStyle/>
-          <a:p>
-            <a:pPr marL="457200" indent="-457200">
-              <a:buFont typeface="+mj-lt"/>
-              <a:buAutoNum type="arabicPeriod"/>
-            </a:pPr>
-            <a:r>
-              <a:rPr lang="en-US" dirty="0"/>
-              <a:t>Determine main customer segments</a:t>
-            </a:r>
-          </a:p>
-          <a:p>
-            <a:pPr marL="457200" indent="-457200">
-              <a:buFont typeface="+mj-lt"/>
-              <a:buAutoNum type="arabicPeriod"/>
-            </a:pPr>
-            <a:r>
-              <a:rPr lang="en-US" dirty="0"/>
-              <a:t>Refine segmentation by generating microsegments in each main segment</a:t>
-            </a:r>
-          </a:p>
-          <a:p>
-            <a:pPr marL="457200" indent="-457200">
-              <a:buFont typeface="+mj-lt"/>
-              <a:buAutoNum type="arabicPeriod"/>
-            </a:pPr>
-            <a:r>
-              <a:rPr lang="en-US" dirty="0"/>
-              <a:t>Generate behavior map for all microsegments</a:t>
-            </a:r>
-          </a:p>
-          <a:p>
-            <a:pPr marL="457200" indent="-457200">
-              <a:buFont typeface="+mj-lt"/>
-              <a:buAutoNum type="arabicPeriod"/>
-            </a:pPr>
-            <a:r>
-              <a:rPr lang="en-US" dirty="0"/>
-              <a:t>Infer behavior vector for each customer microsegment</a:t>
-            </a:r>
-          </a:p>
-          <a:p>
-            <a:pPr marL="457200" indent="-457200">
-              <a:buFont typeface="+mj-lt"/>
-              <a:buAutoNum type="arabicPeriod"/>
-            </a:pPr>
-            <a:r>
-              <a:rPr lang="en-US" dirty="0"/>
-              <a:t>Generate predictions for recommendations, cross-selling, upselling, </a:t>
-            </a:r>
-            <a:r>
-              <a:rPr lang="en-US" dirty="0" err="1"/>
-              <a:t>etc</a:t>
-            </a:r>
-            <a:endParaRPr lang="en-US" dirty="0"/>
-          </a:p>
-          <a:p>
-            <a:pPr marL="457200" indent="-457200">
-              <a:buFont typeface="+mj-lt"/>
-              <a:buAutoNum type="arabicPeriod"/>
-            </a:pPr>
-            <a:r>
-              <a:rPr lang="en-US" dirty="0"/>
-              <a:t>Construct churn model and predict potential churn customers</a:t>
-            </a:r>
-          </a:p>
-          <a:p>
-            <a:pPr marL="457200" indent="-457200">
-              <a:buFont typeface="+mj-lt"/>
-              <a:buAutoNum type="arabicPeriod"/>
-            </a:pPr>
-            <a:r>
-              <a:rPr lang="en-US" dirty="0"/>
-              <a:t>Use predicted potential churn customers and use recommendation model to mitigate </a:t>
-            </a:r>
-          </a:p>
-        </p:txBody>
-      </p:sp>
-    </p:spTree>
-    <p:extLst>
-      <p:ext uri="{BB962C8B-B14F-4D97-AF65-F5344CB8AC3E}">
-        <p14:creationId xmlns:p14="http://schemas.microsoft.com/office/powerpoint/2010/main" val="1840242138"/>
-      </p:ext>
-    </p:extLst>
-  </p:cSld>
-  <p:clrMapOvr>
-    <a:masterClrMapping/>
-  </p:clrMapOvr>
-</p:sld>
-</file>
-
-<file path=ppt/slides/slide3.xml><?xml version="1.0" encoding="utf-8"?>
-<p:sld xmlns:a="http://purl.oclc.org/ooxml/drawingml/main" xmlns:r="http://purl.oclc.org/ooxml/officeDocument/relationships" xmlns:p="http://purl.oclc.org/ooxml/presentationml/main">
-  <p:cSld>
-    <p:spTree>
-      <p:nvGrpSpPr>
-        <p:cNvPr id="1" name=""/>
-        <p:cNvGrpSpPr/>
-        <p:nvPr/>
-      </p:nvGrpSpPr>
-      <p:grpSpPr>
-        <a:xfrm>
-          <a:off x="0" y="0"/>
-          <a:ext cx="0" cy="0"/>
-          <a:chOff x="0" y="0"/>
-          <a:chExt cx="0" cy="0"/>
-        </a:xfrm>
-      </p:grpSpPr>
-      <p:sp>
-        <p:nvSpPr>
-          <p:cNvPr id="2" name="Title 1"/>
-          <p:cNvSpPr>
-            <a:spLocks noGrp="1"/>
-          </p:cNvSpPr>
-          <p:nvPr>
-            <p:ph type="title"/>
-          </p:nvPr>
-        </p:nvSpPr>
-        <p:spPr/>
-        <p:txBody>
-          <a:bodyPr/>
-          <a:lstStyle/>
-          <a:p>
-            <a:r>
-              <a:rPr lang="en-US" dirty="0"/>
-              <a:t>Determine main customer segments</a:t>
-            </a:r>
-          </a:p>
-        </p:txBody>
-      </p:sp>
-      <p:sp>
-        <p:nvSpPr>
-          <p:cNvPr id="3" name="Content Placeholder 2"/>
-          <p:cNvSpPr>
-            <a:spLocks noGrp="1"/>
-          </p:cNvSpPr>
-          <p:nvPr>
-            <p:ph idx="1"/>
-          </p:nvPr>
-        </p:nvSpPr>
-        <p:spPr/>
-        <p:txBody>
-          <a:bodyPr/>
-          <a:lstStyle/>
-          <a:p>
-            <a:r>
-              <a:rPr lang="en-US" dirty="0"/>
-              <a:t>Main automated segmentation using multiple variables such as </a:t>
-            </a:r>
-            <a:r>
-              <a:rPr lang="en-US" dirty="0" err="1"/>
-              <a:t>recency</a:t>
-            </a:r>
-            <a:r>
-              <a:rPr lang="en-US" dirty="0"/>
-              <a:t>, frequency, revenue, margin, revenue per brad, revenue per category</a:t>
-            </a:r>
-          </a:p>
-          <a:p>
-            <a:r>
-              <a:rPr lang="en-US" dirty="0"/>
-              <a:t>Machine Learning algorithms pick best segmentation strategy and best segment configuration ( “worst customers” to “best customers”)</a:t>
-            </a:r>
-          </a:p>
-          <a:p>
-            <a:r>
-              <a:rPr lang="en-US" dirty="0"/>
-              <a:t>Whole process is automated and self-explainable (using visual decision trees)</a:t>
-            </a:r>
-          </a:p>
-          <a:p>
-            <a:r>
-              <a:rPr lang="en-US" dirty="0"/>
-              <a:t>Finally segments can be used for high-level targeting</a:t>
-            </a:r>
-          </a:p>
-        </p:txBody>
-      </p:sp>
-    </p:spTree>
-    <p:extLst>
-      <p:ext uri="{BB962C8B-B14F-4D97-AF65-F5344CB8AC3E}">
-        <p14:creationId xmlns:p14="http://schemas.microsoft.com/office/powerpoint/2010/main" val="1391853980"/>
-      </p:ext>
-    </p:extLst>
-  </p:cSld>
-  <p:clrMapOvr>
-    <a:masterClrMapping/>
-  </p:clrMapOvr>
-</p:sld>
-</file>
-
-<file path=ppt/slides/slide4.xml><?xml version="1.0" encoding="utf-8"?>
-<p:sld xmlns:a="http://purl.oclc.org/ooxml/drawingml/main" xmlns:r="http://purl.oclc.org/ooxml/officeDocument/relationships" xmlns:p="http://purl.oclc.org/ooxml/presentationml/main">
-  <p:cSld>
-    <p:spTree>
-      <p:nvGrpSpPr>
-        <p:cNvPr id="1" name=""/>
-        <p:cNvGrpSpPr/>
-        <p:nvPr/>
-      </p:nvGrpSpPr>
-      <p:grpSpPr>
-        <a:xfrm>
-          <a:off x="0" y="0"/>
-          <a:ext cx="0" cy="0"/>
-          <a:chOff x="0" y="0"/>
-          <a:chExt cx="0" cy="0"/>
-        </a:xfrm>
-      </p:grpSpPr>
-      <p:sp>
-        <p:nvSpPr>
-          <p:cNvPr id="2" name="Title 1"/>
-          <p:cNvSpPr>
-            <a:spLocks noGrp="1"/>
-          </p:cNvSpPr>
-          <p:nvPr>
-            <p:ph type="title"/>
-          </p:nvPr>
-        </p:nvSpPr>
-        <p:spPr/>
-        <p:txBody>
-          <a:bodyPr>
-            <a:normAutofit/>
-          </a:bodyPr>
-          <a:lstStyle/>
-          <a:p>
-            <a:r>
-              <a:rPr lang="en-US" dirty="0"/>
-              <a:t>Refine segmentation by generating microsegments in each main segment</a:t>
-            </a:r>
-          </a:p>
-        </p:txBody>
-      </p:sp>
-      <p:sp>
-        <p:nvSpPr>
-          <p:cNvPr id="3" name="Content Placeholder 2"/>
-          <p:cNvSpPr>
-            <a:spLocks noGrp="1"/>
-          </p:cNvSpPr>
-          <p:nvPr>
-            <p:ph idx="1"/>
-          </p:nvPr>
-        </p:nvSpPr>
-        <p:spPr/>
-        <p:txBody>
-          <a:bodyPr/>
-          <a:lstStyle/>
-          <a:p>
-            <a:r>
-              <a:rPr lang="en-US" dirty="0"/>
-              <a:t>Following main segmentation AI system moves further and micro-clusters each segment (from best sub-segments to worst ones)</a:t>
-            </a:r>
-          </a:p>
-          <a:p>
-            <a:r>
-              <a:rPr lang="en-US" dirty="0"/>
-              <a:t>Finally we obtain 100 microsegments for each main segment (considering a scale from worst 1% to best 1% of each particular segment)</a:t>
-            </a:r>
-          </a:p>
-          <a:p>
-            <a:r>
-              <a:rPr lang="en-US" dirty="0"/>
-              <a:t>This refined micro-segmentation allows us to target specific “customer ranges” (such as “best customers from middle segment” or “high revenue low frequency customers from best customers segment”)</a:t>
-            </a:r>
-          </a:p>
-        </p:txBody>
-      </p:sp>
-    </p:spTree>
-    <p:extLst>
-      <p:ext uri="{BB962C8B-B14F-4D97-AF65-F5344CB8AC3E}">
-        <p14:creationId xmlns:p14="http://schemas.microsoft.com/office/powerpoint/2010/main" val="2360109975"/>
-      </p:ext>
-    </p:extLst>
-  </p:cSld>
-  <p:clrMapOvr>
-    <a:masterClrMapping/>
-  </p:clrMapOvr>
-</p:sld>
-</file>
-
-<file path=ppt/slides/slide5.xml><?xml version="1.0" encoding="utf-8"?>
-<p:sld xmlns:a="http://purl.oclc.org/ooxml/drawingml/main" xmlns:r="http://purl.oclc.org/ooxml/officeDocument/relationships" xmlns:p="http://purl.oclc.org/ooxml/presentationml/main">
-  <p:cSld>
-    <p:spTree>
-      <p:nvGrpSpPr>
-        <p:cNvPr id="1" name=""/>
-        <p:cNvGrpSpPr/>
-        <p:nvPr/>
-      </p:nvGrpSpPr>
-      <p:grpSpPr>
-        <a:xfrm>
-          <a:off x="0" y="0"/>
-          <a:ext cx="0" cy="0"/>
-          <a:chOff x="0" y="0"/>
-          <a:chExt cx="0" cy="0"/>
-        </a:xfrm>
-      </p:grpSpPr>
-      <p:sp>
-        <p:nvSpPr>
-          <p:cNvPr id="2" name="Title 1"/>
-          <p:cNvSpPr>
-            <a:spLocks noGrp="1"/>
-          </p:cNvSpPr>
-          <p:nvPr>
-            <p:ph type="title"/>
-          </p:nvPr>
-        </p:nvSpPr>
-        <p:spPr/>
-        <p:txBody>
-          <a:bodyPr/>
-          <a:lstStyle/>
-          <a:p>
-            <a:r>
-              <a:rPr lang="en-US" dirty="0"/>
-              <a:t>Refine segmentation by generating microsegments in each main segment</a:t>
-            </a:r>
-          </a:p>
-        </p:txBody>
-      </p:sp>
-      <p:pic>
-        <p:nvPicPr>
-          <p:cNvPr id="5" name="Content Placeholder 4"/>
-          <p:cNvPicPr>
-            <a:picLocks noGrp="1" noChangeAspect="1"/>
-          </p:cNvPicPr>
-          <p:nvPr>
-            <p:ph idx="1"/>
-          </p:nvPr>
-        </p:nvPicPr>
-        <p:blipFill>
-          <a:blip r:embed="rId2"/>
-          <a:stretch>
-            <a:fillRect/>
-          </a:stretch>
-        </p:blipFill>
-        <p:spPr>
-          <a:xfrm>
-            <a:off x="1559858" y="2054824"/>
-            <a:ext cx="8513909" cy="4628885"/>
-          </a:xfrm>
-        </p:spPr>
-      </p:pic>
-    </p:spTree>
-    <p:extLst>
-      <p:ext uri="{BB962C8B-B14F-4D97-AF65-F5344CB8AC3E}">
-        <p14:creationId xmlns:p14="http://schemas.microsoft.com/office/powerpoint/2010/main" val="376522323"/>
-      </p:ext>
-    </p:extLst>
-  </p:cSld>
-  <p:clrMapOvr>
-    <a:masterClrMapping/>
-  </p:clrMapOvr>
-</p:sld>
-</file>
-
-<file path=ppt/slides/slide6.xml><?xml version="1.0" encoding="utf-8"?>
-<p:sld xmlns:a="http://purl.oclc.org/ooxml/drawingml/main" xmlns:r="http://purl.oclc.org/ooxml/officeDocument/relationships" xmlns:p="http://purl.oclc.org/ooxml/presentationml/main">
-  <p:cSld>
-    <p:spTree>
-      <p:nvGrpSpPr>
-        <p:cNvPr id="1" name=""/>
-        <p:cNvGrpSpPr/>
-        <p:nvPr/>
-      </p:nvGrpSpPr>
-      <p:grpSpPr>
-        <a:xfrm>
-          <a:off x="0" y="0"/>
-          <a:ext cx="0" cy="0"/>
-          <a:chOff x="0" y="0"/>
-          <a:chExt cx="0" cy="0"/>
-        </a:xfrm>
-      </p:grpSpPr>
-      <p:sp>
-        <p:nvSpPr>
-          <p:cNvPr id="2" name="Title 1"/>
-          <p:cNvSpPr>
-            <a:spLocks noGrp="1"/>
-          </p:cNvSpPr>
-          <p:nvPr>
-            <p:ph type="title"/>
-          </p:nvPr>
-        </p:nvSpPr>
-        <p:spPr/>
-        <p:txBody>
-          <a:bodyPr>
-            <a:normAutofit/>
-          </a:bodyPr>
-          <a:lstStyle/>
-          <a:p>
-            <a:r>
-              <a:rPr lang="en-US" dirty="0"/>
-              <a:t>Generate behavior map for all microsegments</a:t>
-            </a:r>
-          </a:p>
-        </p:txBody>
-      </p:sp>
-      <p:sp>
-        <p:nvSpPr>
-          <p:cNvPr id="3" name="Content Placeholder 2"/>
-          <p:cNvSpPr>
-            <a:spLocks noGrp="1"/>
-          </p:cNvSpPr>
-          <p:nvPr>
-            <p:ph idx="1"/>
-          </p:nvPr>
-        </p:nvSpPr>
-        <p:spPr>
-          <a:xfrm>
-            <a:off x="1141412" y="2249486"/>
-            <a:ext cx="9905999" cy="4059105"/>
-          </a:xfrm>
-        </p:spPr>
-        <p:txBody>
-          <a:bodyPr/>
-          <a:lstStyle/>
-          <a:p>
-            <a:r>
-              <a:rPr lang="en-US" dirty="0"/>
-              <a:t>Next stage gives us a real 2D map of the customer micro-segmentation based on their actual transactional behavior</a:t>
-            </a:r>
-          </a:p>
-          <a:p>
-            <a:r>
-              <a:rPr lang="en-US" dirty="0"/>
-              <a:t>We can now find groups of micro-segments that behave in a similar pattern</a:t>
-            </a:r>
-          </a:p>
-          <a:p>
-            <a:r>
-              <a:rPr lang="en-US" dirty="0"/>
-              <a:t>This powerful Machine Learning assisted tool can generate intelligent targets</a:t>
-            </a:r>
-          </a:p>
-        </p:txBody>
-      </p:sp>
-    </p:spTree>
-    <p:extLst>
-      <p:ext uri="{BB962C8B-B14F-4D97-AF65-F5344CB8AC3E}">
-        <p14:creationId xmlns:p14="http://schemas.microsoft.com/office/powerpoint/2010/main" val="3924173839"/>
-      </p:ext>
-    </p:extLst>
-  </p:cSld>
-  <p:clrMapOvr>
-    <a:masterClrMapping/>
-  </p:clrMapOvr>
-</p:sld>
-</file>
-
-<file path=ppt/slides/slide7.xml><?xml version="1.0" encoding="utf-8"?>
-<p:sld xmlns:a="http://purl.oclc.org/ooxml/drawingml/main" xmlns:r="http://purl.oclc.org/ooxml/officeDocument/relationships" xmlns:p="http://purl.oclc.org/ooxml/presentationml/main">
-  <p:cSld>
-    <p:spTree>
-      <p:nvGrpSpPr>
-        <p:cNvPr id="1" name=""/>
-        <p:cNvGrpSpPr/>
-        <p:nvPr/>
-      </p:nvGrpSpPr>
-      <p:grpSpPr>
-        <a:xfrm>
-          <a:off x="0" y="0"/>
-          <a:ext cx="0" cy="0"/>
-          <a:chOff x="0" y="0"/>
-          <a:chExt cx="0" cy="0"/>
-        </a:xfrm>
-      </p:grpSpPr>
-      <p:sp>
-        <p:nvSpPr>
-          <p:cNvPr id="2" name="Title 1"/>
-          <p:cNvSpPr>
-            <a:spLocks noGrp="1"/>
-          </p:cNvSpPr>
-          <p:nvPr>
-            <p:ph type="title"/>
-          </p:nvPr>
-        </p:nvSpPr>
-        <p:spPr/>
-        <p:txBody>
-          <a:bodyPr/>
-          <a:lstStyle/>
-          <a:p>
-            <a:endParaRPr lang="en-US"/>
-          </a:p>
-        </p:txBody>
-      </p:sp>
-      <p:pic>
-        <p:nvPicPr>
-          <p:cNvPr id="9" name="Content Placeholder 8"/>
-          <p:cNvPicPr>
-            <a:picLocks noGrp="1" noChangeAspect="1"/>
-          </p:cNvPicPr>
-          <p:nvPr>
-            <p:ph idx="1"/>
-          </p:nvPr>
-        </p:nvPicPr>
-        <p:blipFill>
-          <a:blip r:embed="rId2"/>
-          <a:stretch>
-            <a:fillRect/>
-          </a:stretch>
-        </p:blipFill>
-        <p:spPr>
-          <a:xfrm>
-            <a:off x="895123" y="785679"/>
-            <a:ext cx="10584937" cy="5250129"/>
-          </a:xfrm>
-        </p:spPr>
-      </p:pic>
-    </p:spTree>
-    <p:extLst>
-      <p:ext uri="{BB962C8B-B14F-4D97-AF65-F5344CB8AC3E}">
-        <p14:creationId xmlns:p14="http://schemas.microsoft.com/office/powerpoint/2010/main" val="1618810138"/>
-      </p:ext>
-    </p:extLst>
-  </p:cSld>
-  <p:clrMapOvr>
-    <a:masterClrMapping/>
-  </p:clrMapOvr>
-</p:sld>
-</file>
-
-<file path=ppt/slides/slide8.xml><?xml version="1.0" encoding="utf-8"?>
-<p:sld xmlns:a="http://purl.oclc.org/ooxml/drawingml/main" xmlns:r="http://purl.oclc.org/ooxml/officeDocument/relationships" xmlns:p="http://purl.oclc.org/ooxml/presentationml/main">
-  <p:cSld>
-    <p:spTree>
-      <p:nvGrpSpPr>
-        <p:cNvPr id="1" name=""/>
-        <p:cNvGrpSpPr/>
-        <p:nvPr/>
-      </p:nvGrpSpPr>
-      <p:grpSpPr>
-        <a:xfrm>
-          <a:off x="0" y="0"/>
-          <a:ext cx="0" cy="0"/>
-          <a:chOff x="0" y="0"/>
-          <a:chExt cx="0" cy="0"/>
-        </a:xfrm>
-      </p:grpSpPr>
-      <p:sp>
-        <p:nvSpPr>
-          <p:cNvPr id="2" name="Title 1"/>
-          <p:cNvSpPr>
-            <a:spLocks noGrp="1"/>
-          </p:cNvSpPr>
-          <p:nvPr>
-            <p:ph type="title"/>
-          </p:nvPr>
-        </p:nvSpPr>
-        <p:spPr/>
-        <p:txBody>
-          <a:bodyPr>
-            <a:normAutofit/>
-          </a:bodyPr>
-          <a:lstStyle/>
-          <a:p>
-            <a:r>
-              <a:rPr lang="en-US" dirty="0"/>
               <a:t>Infer behavior vector for each customer microsegment</a:t>
             </a:r>
           </a:p>
@@ -13258,7 +12781,7 @@
 </p:sld>
 </file>
 
-<file path=ppt/slides/slide9.xml><?xml version="1.0" encoding="utf-8"?>
+<file path=ppt/slides/slide11.xml><?xml version="1.0" encoding="utf-8"?>
 <p:sld xmlns:a="http://purl.oclc.org/ooxml/drawingml/main" xmlns:r="http://purl.oclc.org/ooxml/officeDocument/relationships" xmlns:p="http://purl.oclc.org/ooxml/presentationml/main">
   <p:cSld>
     <p:spTree>
@@ -13759,6 +13282,976 @@
 </p:sld>
 </file>
 
+<file path=ppt/slides/slide12.xml><?xml version="1.0" encoding="utf-8"?>
+<p:sld xmlns:a="http://purl.oclc.org/ooxml/drawingml/main" xmlns:r="http://purl.oclc.org/ooxml/officeDocument/relationships" xmlns:p="http://purl.oclc.org/ooxml/presentationml/main">
+  <p:cSld>
+    <p:spTree>
+      <p:nvGrpSpPr>
+        <p:cNvPr id="1" name=""/>
+        <p:cNvGrpSpPr/>
+        <p:nvPr/>
+      </p:nvGrpSpPr>
+      <p:grpSpPr>
+        <a:xfrm>
+          <a:off x="0" y="0"/>
+          <a:ext cx="0" cy="0"/>
+          <a:chOff x="0" y="0"/>
+          <a:chExt cx="0" cy="0"/>
+        </a:xfrm>
+      </p:grpSpPr>
+      <p:sp>
+        <p:nvSpPr>
+          <p:cNvPr id="2" name="Title 1"/>
+          <p:cNvSpPr>
+            <a:spLocks noGrp="1"/>
+          </p:cNvSpPr>
+          <p:nvPr>
+            <p:ph type="title"/>
+          </p:nvPr>
+        </p:nvSpPr>
+        <p:spPr/>
+        <p:txBody>
+          <a:bodyPr>
+            <a:normAutofit/>
+          </a:bodyPr>
+          <a:lstStyle/>
+          <a:p>
+            <a:r>
+              <a:rPr lang="en-US" dirty="0"/>
+              <a:t>Construct churn model and predict potential churn customers</a:t>
+            </a:r>
+          </a:p>
+        </p:txBody>
+      </p:sp>
+      <p:sp>
+        <p:nvSpPr>
+          <p:cNvPr id="3" name="Content Placeholder 2"/>
+          <p:cNvSpPr>
+            <a:spLocks noGrp="1"/>
+          </p:cNvSpPr>
+          <p:nvPr>
+            <p:ph idx="1"/>
+          </p:nvPr>
+        </p:nvSpPr>
+        <p:spPr/>
+        <p:txBody>
+          <a:bodyPr/>
+          <a:lstStyle/>
+          <a:p>
+            <a:r>
+              <a:rPr lang="en-US" dirty="0"/>
+              <a:t>Advanced churn model is automatically and continuously updated based on transactional data</a:t>
+            </a:r>
+          </a:p>
+          <a:p>
+            <a:r>
+              <a:rPr lang="en-US" dirty="0"/>
+              <a:t>Customers with high churn risk are marked</a:t>
+            </a:r>
+          </a:p>
+        </p:txBody>
+      </p:sp>
+    </p:spTree>
+    <p:extLst>
+      <p:ext uri="{BB962C8B-B14F-4D97-AF65-F5344CB8AC3E}">
+        <p14:creationId xmlns:p14="http://schemas.microsoft.com/office/powerpoint/2010/main" val="3082974096"/>
+      </p:ext>
+    </p:extLst>
+  </p:cSld>
+  <p:clrMapOvr>
+    <a:masterClrMapping/>
+  </p:clrMapOvr>
+</p:sld>
+</file>
+
+<file path=ppt/slides/slide13.xml><?xml version="1.0" encoding="utf-8"?>
+<p:sld xmlns:a="http://purl.oclc.org/ooxml/drawingml/main" xmlns:r="http://purl.oclc.org/ooxml/officeDocument/relationships" xmlns:p="http://purl.oclc.org/ooxml/presentationml/main">
+  <p:cSld>
+    <p:spTree>
+      <p:nvGrpSpPr>
+        <p:cNvPr id="1" name=""/>
+        <p:cNvGrpSpPr/>
+        <p:nvPr/>
+      </p:nvGrpSpPr>
+      <p:grpSpPr>
+        <a:xfrm>
+          <a:off x="0" y="0"/>
+          <a:ext cx="0" cy="0"/>
+          <a:chOff x="0" y="0"/>
+          <a:chExt cx="0" cy="0"/>
+        </a:xfrm>
+      </p:grpSpPr>
+      <p:sp>
+        <p:nvSpPr>
+          <p:cNvPr id="2" name="Title 1"/>
+          <p:cNvSpPr>
+            <a:spLocks noGrp="1"/>
+          </p:cNvSpPr>
+          <p:nvPr>
+            <p:ph type="title"/>
+          </p:nvPr>
+        </p:nvSpPr>
+        <p:spPr/>
+        <p:txBody>
+          <a:bodyPr>
+            <a:normAutofit/>
+          </a:bodyPr>
+          <a:lstStyle/>
+          <a:p>
+            <a:r>
+              <a:rPr lang="en-US" dirty="0"/>
+              <a:t>Use predicted potential churn customers and use recommendation model to mitigate </a:t>
+            </a:r>
+          </a:p>
+        </p:txBody>
+      </p:sp>
+      <p:sp>
+        <p:nvSpPr>
+          <p:cNvPr id="3" name="Content Placeholder 2"/>
+          <p:cNvSpPr>
+            <a:spLocks noGrp="1"/>
+          </p:cNvSpPr>
+          <p:nvPr>
+            <p:ph idx="1"/>
+          </p:nvPr>
+        </p:nvSpPr>
+        <p:spPr/>
+        <p:txBody>
+          <a:bodyPr/>
+          <a:lstStyle/>
+          <a:p>
+            <a:r>
+              <a:rPr lang="en-US" dirty="0"/>
+              <a:t>Our advanced Machine Learning modules microsegment the customers with high churn risk</a:t>
+            </a:r>
+          </a:p>
+          <a:p>
+            <a:r>
+              <a:rPr lang="en-US" dirty="0"/>
+              <a:t>For each churn microsegment the systems analyzes purchase and recommendations prediction to propose a “churn mitigation campaign”</a:t>
+            </a:r>
+          </a:p>
+        </p:txBody>
+      </p:sp>
+    </p:spTree>
+    <p:extLst>
+      <p:ext uri="{BB962C8B-B14F-4D97-AF65-F5344CB8AC3E}">
+        <p14:creationId xmlns:p14="http://schemas.microsoft.com/office/powerpoint/2010/main" val="420805890"/>
+      </p:ext>
+    </p:extLst>
+  </p:cSld>
+  <p:clrMapOvr>
+    <a:masterClrMapping/>
+  </p:clrMapOvr>
+</p:sld>
+</file>
+
+<file path=ppt/slides/slide2.xml><?xml version="1.0" encoding="utf-8"?>
+<p:sld xmlns:a="http://purl.oclc.org/ooxml/drawingml/main" xmlns:r="http://purl.oclc.org/ooxml/officeDocument/relationships" xmlns:p="http://purl.oclc.org/ooxml/presentationml/main">
+  <p:cSld>
+    <p:spTree>
+      <p:nvGrpSpPr>
+        <p:cNvPr id="1" name=""/>
+        <p:cNvGrpSpPr/>
+        <p:nvPr/>
+      </p:nvGrpSpPr>
+      <p:grpSpPr>
+        <a:xfrm>
+          <a:off x="0" y="0"/>
+          <a:ext cx="0" cy="0"/>
+          <a:chOff x="0" y="0"/>
+          <a:chExt cx="0" cy="0"/>
+        </a:xfrm>
+      </p:grpSpPr>
+      <p:sp>
+        <p:nvSpPr>
+          <p:cNvPr id="2" name="Title 1"/>
+          <p:cNvSpPr>
+            <a:spLocks noGrp="1"/>
+          </p:cNvSpPr>
+          <p:nvPr>
+            <p:ph type="title"/>
+          </p:nvPr>
+        </p:nvSpPr>
+        <p:spPr/>
+        <p:txBody>
+          <a:bodyPr/>
+          <a:lstStyle/>
+          <a:p>
+            <a:r>
+              <a:rPr lang="en-US" dirty="0"/>
+              <a:t>7 stage pipeline approach</a:t>
+            </a:r>
+          </a:p>
+        </p:txBody>
+      </p:sp>
+      <p:sp>
+        <p:nvSpPr>
+          <p:cNvPr id="3" name="Content Placeholder 2"/>
+          <p:cNvSpPr>
+            <a:spLocks noGrp="1"/>
+          </p:cNvSpPr>
+          <p:nvPr>
+            <p:ph idx="1"/>
+          </p:nvPr>
+        </p:nvSpPr>
+        <p:spPr/>
+        <p:txBody>
+          <a:bodyPr>
+            <a:normAutofit fontScale="92.5%" lnSpcReduction="20%"/>
+          </a:bodyPr>
+          <a:lstStyle/>
+          <a:p>
+            <a:pPr marL="457200" indent="-457200">
+              <a:buFont typeface="+mj-lt"/>
+              <a:buAutoNum type="arabicPeriod"/>
+            </a:pPr>
+            <a:r>
+              <a:rPr lang="en-US" dirty="0"/>
+              <a:t>Determine main customer segments</a:t>
+            </a:r>
+          </a:p>
+          <a:p>
+            <a:pPr marL="457200" indent="-457200">
+              <a:buFont typeface="+mj-lt"/>
+              <a:buAutoNum type="arabicPeriod"/>
+            </a:pPr>
+            <a:r>
+              <a:rPr lang="en-US" dirty="0"/>
+              <a:t>Refine segmentation by generating microsegments in each main segment</a:t>
+            </a:r>
+          </a:p>
+          <a:p>
+            <a:pPr marL="457200" indent="-457200">
+              <a:buFont typeface="+mj-lt"/>
+              <a:buAutoNum type="arabicPeriod"/>
+            </a:pPr>
+            <a:r>
+              <a:rPr lang="en-US" dirty="0"/>
+              <a:t>Generate behavior map for all microsegments</a:t>
+            </a:r>
+          </a:p>
+          <a:p>
+            <a:pPr marL="457200" indent="-457200">
+              <a:buFont typeface="+mj-lt"/>
+              <a:buAutoNum type="arabicPeriod"/>
+            </a:pPr>
+            <a:r>
+              <a:rPr lang="en-US" dirty="0"/>
+              <a:t>Infer behavior vector for each customer microsegment</a:t>
+            </a:r>
+          </a:p>
+          <a:p>
+            <a:pPr marL="457200" indent="-457200">
+              <a:buFont typeface="+mj-lt"/>
+              <a:buAutoNum type="arabicPeriod"/>
+            </a:pPr>
+            <a:r>
+              <a:rPr lang="en-US" dirty="0"/>
+              <a:t>Generate </a:t>
+            </a:r>
+            <a:r>
+              <a:rPr lang="en-US" b="1" dirty="0"/>
+              <a:t>predictions for recommendations, cross-selling, upselling</a:t>
+            </a:r>
+            <a:r>
+              <a:rPr lang="en-US" dirty="0"/>
+              <a:t>, </a:t>
+            </a:r>
+            <a:r>
+              <a:rPr lang="en-US" dirty="0" err="1"/>
+              <a:t>etc</a:t>
+            </a:r>
+            <a:endParaRPr lang="en-US" dirty="0"/>
+          </a:p>
+          <a:p>
+            <a:pPr marL="457200" indent="-457200">
+              <a:buFont typeface="+mj-lt"/>
+              <a:buAutoNum type="arabicPeriod"/>
+            </a:pPr>
+            <a:r>
+              <a:rPr lang="en-US" dirty="0"/>
+              <a:t>Construct churn model and predict potential churn customers</a:t>
+            </a:r>
+          </a:p>
+          <a:p>
+            <a:pPr marL="457200" indent="-457200">
+              <a:buFont typeface="+mj-lt"/>
+              <a:buAutoNum type="arabicPeriod"/>
+            </a:pPr>
+            <a:r>
+              <a:rPr lang="en-US" dirty="0"/>
+              <a:t>Use predicted </a:t>
+            </a:r>
+            <a:r>
+              <a:rPr lang="en-US" b="1" dirty="0"/>
+              <a:t>potential churn customers </a:t>
+            </a:r>
+            <a:r>
+              <a:rPr lang="en-US" dirty="0"/>
+              <a:t>and use recommendation model to </a:t>
+            </a:r>
+            <a:r>
+              <a:rPr lang="en-US" b="1" dirty="0"/>
+              <a:t>mitigate churning</a:t>
+            </a:r>
+          </a:p>
+        </p:txBody>
+      </p:sp>
+    </p:spTree>
+    <p:extLst>
+      <p:ext uri="{BB962C8B-B14F-4D97-AF65-F5344CB8AC3E}">
+        <p14:creationId xmlns:p14="http://schemas.microsoft.com/office/powerpoint/2010/main" val="1840242138"/>
+      </p:ext>
+    </p:extLst>
+  </p:cSld>
+  <p:clrMapOvr>
+    <a:masterClrMapping/>
+  </p:clrMapOvr>
+</p:sld>
+</file>
+
+<file path=ppt/slides/slide3.xml><?xml version="1.0" encoding="utf-8"?>
+<p:sld xmlns:a="http://purl.oclc.org/ooxml/drawingml/main" xmlns:r="http://purl.oclc.org/ooxml/officeDocument/relationships" xmlns:p="http://purl.oclc.org/ooxml/presentationml/main">
+  <p:cSld>
+    <p:spTree>
+      <p:nvGrpSpPr>
+        <p:cNvPr id="1" name=""/>
+        <p:cNvGrpSpPr/>
+        <p:nvPr/>
+      </p:nvGrpSpPr>
+      <p:grpSpPr>
+        <a:xfrm>
+          <a:off x="0" y="0"/>
+          <a:ext cx="0" cy="0"/>
+          <a:chOff x="0" y="0"/>
+          <a:chExt cx="0" cy="0"/>
+        </a:xfrm>
+      </p:grpSpPr>
+      <p:sp>
+        <p:nvSpPr>
+          <p:cNvPr id="2" name="Title 1"/>
+          <p:cNvSpPr>
+            <a:spLocks noGrp="1"/>
+          </p:cNvSpPr>
+          <p:nvPr>
+            <p:ph type="title"/>
+          </p:nvPr>
+        </p:nvSpPr>
+        <p:spPr/>
+        <p:txBody>
+          <a:bodyPr/>
+          <a:lstStyle/>
+          <a:p>
+            <a:r>
+              <a:rPr lang="en-US" dirty="0"/>
+              <a:t>Determine main customer segments</a:t>
+            </a:r>
+          </a:p>
+        </p:txBody>
+      </p:sp>
+      <p:sp>
+        <p:nvSpPr>
+          <p:cNvPr id="3" name="Content Placeholder 2"/>
+          <p:cNvSpPr>
+            <a:spLocks noGrp="1"/>
+          </p:cNvSpPr>
+          <p:nvPr>
+            <p:ph idx="1"/>
+          </p:nvPr>
+        </p:nvSpPr>
+        <p:spPr/>
+        <p:txBody>
+          <a:bodyPr/>
+          <a:lstStyle/>
+          <a:p>
+            <a:r>
+              <a:rPr lang="en-US" dirty="0"/>
+              <a:t>Main automated segmentation using multiple variables such as </a:t>
+            </a:r>
+            <a:r>
+              <a:rPr lang="en-US" dirty="0" err="1"/>
+              <a:t>recency</a:t>
+            </a:r>
+            <a:r>
+              <a:rPr lang="en-US" dirty="0"/>
+              <a:t>, frequency, revenue, margin, revenue per brad, revenue per category</a:t>
+            </a:r>
+          </a:p>
+          <a:p>
+            <a:r>
+              <a:rPr lang="en-US" dirty="0"/>
+              <a:t>Machine Learning algorithms pick best segmentation strategy and best segment configuration ( “worst customers” to “best customers”)</a:t>
+            </a:r>
+          </a:p>
+          <a:p>
+            <a:r>
+              <a:rPr lang="en-US" dirty="0"/>
+              <a:t>Whole process is automated and self-explainable (using visual decision trees)</a:t>
+            </a:r>
+          </a:p>
+          <a:p>
+            <a:r>
+              <a:rPr lang="en-US" dirty="0"/>
+              <a:t>Finally segments can be used for high-level targeting</a:t>
+            </a:r>
+          </a:p>
+        </p:txBody>
+      </p:sp>
+    </p:spTree>
+    <p:extLst>
+      <p:ext uri="{BB962C8B-B14F-4D97-AF65-F5344CB8AC3E}">
+        <p14:creationId xmlns:p14="http://schemas.microsoft.com/office/powerpoint/2010/main" val="1391853980"/>
+      </p:ext>
+    </p:extLst>
+  </p:cSld>
+  <p:clrMapOvr>
+    <a:masterClrMapping/>
+  </p:clrMapOvr>
+</p:sld>
+</file>
+
+<file path=ppt/slides/slide4.xml><?xml version="1.0" encoding="utf-8"?>
+<p:sld xmlns:a="http://purl.oclc.org/ooxml/drawingml/main" xmlns:r="http://purl.oclc.org/ooxml/officeDocument/relationships" xmlns:p="http://purl.oclc.org/ooxml/presentationml/main">
+  <p:cSld>
+    <p:spTree>
+      <p:nvGrpSpPr>
+        <p:cNvPr id="1" name=""/>
+        <p:cNvGrpSpPr/>
+        <p:nvPr/>
+      </p:nvGrpSpPr>
+      <p:grpSpPr>
+        <a:xfrm>
+          <a:off x="0" y="0"/>
+          <a:ext cx="0" cy="0"/>
+          <a:chOff x="0" y="0"/>
+          <a:chExt cx="0" cy="0"/>
+        </a:xfrm>
+      </p:grpSpPr>
+      <p:sp>
+        <p:nvSpPr>
+          <p:cNvPr id="2" name="Title 1"/>
+          <p:cNvSpPr>
+            <a:spLocks noGrp="1"/>
+          </p:cNvSpPr>
+          <p:nvPr>
+            <p:ph type="title"/>
+          </p:nvPr>
+        </p:nvSpPr>
+        <p:spPr/>
+        <p:txBody>
+          <a:bodyPr>
+            <a:normAutofit/>
+          </a:bodyPr>
+          <a:lstStyle/>
+          <a:p>
+            <a:r>
+              <a:rPr lang="en-US" dirty="0"/>
+              <a:t>Refine segmentation by generating microsegments in each main segment</a:t>
+            </a:r>
+          </a:p>
+        </p:txBody>
+      </p:sp>
+      <p:sp>
+        <p:nvSpPr>
+          <p:cNvPr id="3" name="Content Placeholder 2"/>
+          <p:cNvSpPr>
+            <a:spLocks noGrp="1"/>
+          </p:cNvSpPr>
+          <p:nvPr>
+            <p:ph idx="1"/>
+          </p:nvPr>
+        </p:nvSpPr>
+        <p:spPr/>
+        <p:txBody>
+          <a:bodyPr/>
+          <a:lstStyle/>
+          <a:p>
+            <a:r>
+              <a:rPr lang="en-US" dirty="0"/>
+              <a:t>Following main segmentation AI system moves further and micro-clusters each segment (from best sub-segments to worst ones)</a:t>
+            </a:r>
+          </a:p>
+          <a:p>
+            <a:r>
+              <a:rPr lang="en-US" dirty="0"/>
+              <a:t>Finally we obtain 100 microsegments for each main segment (considering a scale from worst 1% to best 1% of each particular segment)</a:t>
+            </a:r>
+          </a:p>
+          <a:p>
+            <a:r>
+              <a:rPr lang="en-US" dirty="0"/>
+              <a:t>This refined micro-segmentation allows us to target specific “customer ranges” (such as “best customers from middle segment” or “high revenue low frequency customers from best customers segment”)</a:t>
+            </a:r>
+          </a:p>
+        </p:txBody>
+      </p:sp>
+    </p:spTree>
+    <p:extLst>
+      <p:ext uri="{BB962C8B-B14F-4D97-AF65-F5344CB8AC3E}">
+        <p14:creationId xmlns:p14="http://schemas.microsoft.com/office/powerpoint/2010/main" val="2360109975"/>
+      </p:ext>
+    </p:extLst>
+  </p:cSld>
+  <p:clrMapOvr>
+    <a:masterClrMapping/>
+  </p:clrMapOvr>
+</p:sld>
+</file>
+
+<file path=ppt/slides/slide5.xml><?xml version="1.0" encoding="utf-8"?>
+<p:sld xmlns:a="http://purl.oclc.org/ooxml/drawingml/main" xmlns:r="http://purl.oclc.org/ooxml/officeDocument/relationships" xmlns:p="http://purl.oclc.org/ooxml/presentationml/main">
+  <p:cSld>
+    <p:spTree>
+      <p:nvGrpSpPr>
+        <p:cNvPr id="1" name=""/>
+        <p:cNvGrpSpPr/>
+        <p:nvPr/>
+      </p:nvGrpSpPr>
+      <p:grpSpPr>
+        <a:xfrm>
+          <a:off x="0" y="0"/>
+          <a:ext cx="0" cy="0"/>
+          <a:chOff x="0" y="0"/>
+          <a:chExt cx="0" cy="0"/>
+        </a:xfrm>
+      </p:grpSpPr>
+      <p:sp>
+        <p:nvSpPr>
+          <p:cNvPr id="2" name="Title 1"/>
+          <p:cNvSpPr>
+            <a:spLocks noGrp="1"/>
+          </p:cNvSpPr>
+          <p:nvPr>
+            <p:ph type="title"/>
+          </p:nvPr>
+        </p:nvSpPr>
+        <p:spPr/>
+        <p:txBody>
+          <a:bodyPr/>
+          <a:lstStyle/>
+          <a:p>
+            <a:r>
+              <a:rPr lang="en-US" dirty="0"/>
+              <a:t>Refine segmentation by generating microsegments in each main segment</a:t>
+            </a:r>
+          </a:p>
+        </p:txBody>
+      </p:sp>
+      <p:pic>
+        <p:nvPicPr>
+          <p:cNvPr id="5" name="Content Placeholder 4"/>
+          <p:cNvPicPr>
+            <a:picLocks noGrp="1" noChangeAspect="1"/>
+          </p:cNvPicPr>
+          <p:nvPr>
+            <p:ph idx="1"/>
+          </p:nvPr>
+        </p:nvPicPr>
+        <p:blipFill>
+          <a:blip r:embed="rId2"/>
+          <a:stretch>
+            <a:fillRect/>
+          </a:stretch>
+        </p:blipFill>
+        <p:spPr>
+          <a:xfrm>
+            <a:off x="1559858" y="2054824"/>
+            <a:ext cx="8513909" cy="4628885"/>
+          </a:xfrm>
+        </p:spPr>
+      </p:pic>
+    </p:spTree>
+    <p:extLst>
+      <p:ext uri="{BB962C8B-B14F-4D97-AF65-F5344CB8AC3E}">
+        <p14:creationId xmlns:p14="http://schemas.microsoft.com/office/powerpoint/2010/main" val="376522323"/>
+      </p:ext>
+    </p:extLst>
+  </p:cSld>
+  <p:clrMapOvr>
+    <a:masterClrMapping/>
+  </p:clrMapOvr>
+</p:sld>
+</file>
+
+<file path=ppt/slides/slide6.xml><?xml version="1.0" encoding="utf-8"?>
+<p:sld xmlns:a="http://purl.oclc.org/ooxml/drawingml/main" xmlns:r="http://purl.oclc.org/ooxml/officeDocument/relationships" xmlns:p="http://purl.oclc.org/ooxml/presentationml/main">
+  <p:cSld>
+    <p:spTree>
+      <p:nvGrpSpPr>
+        <p:cNvPr id="1" name=""/>
+        <p:cNvGrpSpPr/>
+        <p:nvPr/>
+      </p:nvGrpSpPr>
+      <p:grpSpPr>
+        <a:xfrm>
+          <a:off x="0" y="0"/>
+          <a:ext cx="0" cy="0"/>
+          <a:chOff x="0" y="0"/>
+          <a:chExt cx="0" cy="0"/>
+        </a:xfrm>
+      </p:grpSpPr>
+      <p:sp>
+        <p:nvSpPr>
+          <p:cNvPr id="2" name="Title 1">
+            <a:extLst>
+              <a:ext uri="{FF2B5EF4-FFF2-40B4-BE49-F238E27FC236}">
+                <a16:creationId xmlns:a16="http://schemas.microsoft.com/office/drawing/2014/main" id="{9318FE06-37AA-459E-9F8E-268F962C081A}"/>
+              </a:ext>
+            </a:extLst>
+          </p:cNvPr>
+          <p:cNvSpPr>
+            <a:spLocks noGrp="1"/>
+          </p:cNvSpPr>
+          <p:nvPr>
+            <p:ph type="title"/>
+          </p:nvPr>
+        </p:nvSpPr>
+        <p:spPr>
+          <a:xfrm>
+            <a:off x="1141412" y="345673"/>
+            <a:ext cx="9905998" cy="472863"/>
+          </a:xfrm>
+        </p:spPr>
+        <p:txBody>
+          <a:bodyPr>
+            <a:normAutofit fontScale="90%"/>
+          </a:bodyPr>
+          <a:lstStyle/>
+          <a:p>
+            <a:r>
+              <a:rPr lang="en-US" dirty="0"/>
+              <a:t>... view it in 3D...</a:t>
+            </a:r>
+          </a:p>
+        </p:txBody>
+      </p:sp>
+      <p:sp>
+        <p:nvSpPr>
+          <p:cNvPr id="3" name="Content Placeholder 2">
+            <a:extLst>
+              <a:ext uri="{FF2B5EF4-FFF2-40B4-BE49-F238E27FC236}">
+                <a16:creationId xmlns:a16="http://schemas.microsoft.com/office/drawing/2014/main" id="{CD90F205-AAD4-4511-B810-FA546C85FF75}"/>
+              </a:ext>
+            </a:extLst>
+          </p:cNvPr>
+          <p:cNvSpPr>
+            <a:spLocks noGrp="1"/>
+          </p:cNvSpPr>
+          <p:nvPr>
+            <p:ph idx="1"/>
+          </p:nvPr>
+        </p:nvSpPr>
+        <p:spPr/>
+        <p:txBody>
+          <a:bodyPr/>
+          <a:lstStyle/>
+          <a:p>
+            <a:endParaRPr lang="en-US"/>
+          </a:p>
+        </p:txBody>
+      </p:sp>
+      <p:pic>
+        <p:nvPicPr>
+          <p:cNvPr id="4" name="Picture 3">
+            <a:extLst>
+              <a:ext uri="{FF2B5EF4-FFF2-40B4-BE49-F238E27FC236}">
+                <a16:creationId xmlns:a16="http://schemas.microsoft.com/office/drawing/2014/main" id="{111B31EB-8989-4D79-A4B5-2639E6C8496B}"/>
+              </a:ext>
+            </a:extLst>
+          </p:cNvPr>
+          <p:cNvPicPr>
+            <a:picLocks noChangeAspect="1"/>
+          </p:cNvPicPr>
+          <p:nvPr/>
+        </p:nvPicPr>
+        <p:blipFill>
+          <a:blip r:embed="rId2"/>
+          <a:stretch>
+            <a:fillRect/>
+          </a:stretch>
+        </p:blipFill>
+        <p:spPr>
+          <a:xfrm>
+            <a:off x="1388685" y="1032388"/>
+            <a:ext cx="8492733" cy="5648632"/>
+          </a:xfrm>
+          <a:prstGeom prst="rect">
+            <a:avLst/>
+          </a:prstGeom>
+        </p:spPr>
+      </p:pic>
+    </p:spTree>
+    <p:extLst>
+      <p:ext uri="{BB962C8B-B14F-4D97-AF65-F5344CB8AC3E}">
+        <p14:creationId xmlns:p14="http://schemas.microsoft.com/office/powerpoint/2010/main" val="3085405458"/>
+      </p:ext>
+    </p:extLst>
+  </p:cSld>
+  <p:clrMapOvr>
+    <a:masterClrMapping/>
+  </p:clrMapOvr>
+</p:sld>
+</file>
+
+<file path=ppt/slides/slide7.xml><?xml version="1.0" encoding="utf-8"?>
+<p:sld xmlns:a="http://purl.oclc.org/ooxml/drawingml/main" xmlns:r="http://purl.oclc.org/ooxml/officeDocument/relationships" xmlns:p="http://purl.oclc.org/ooxml/presentationml/main">
+  <p:cSld>
+    <p:spTree>
+      <p:nvGrpSpPr>
+        <p:cNvPr id="1" name=""/>
+        <p:cNvGrpSpPr/>
+        <p:nvPr/>
+      </p:nvGrpSpPr>
+      <p:grpSpPr>
+        <a:xfrm>
+          <a:off x="0" y="0"/>
+          <a:ext cx="0" cy="0"/>
+          <a:chOff x="0" y="0"/>
+          <a:chExt cx="0" cy="0"/>
+        </a:xfrm>
+      </p:grpSpPr>
+      <p:sp>
+        <p:nvSpPr>
+          <p:cNvPr id="2" name="Title 1"/>
+          <p:cNvSpPr>
+            <a:spLocks noGrp="1"/>
+          </p:cNvSpPr>
+          <p:nvPr>
+            <p:ph type="title"/>
+          </p:nvPr>
+        </p:nvSpPr>
+        <p:spPr/>
+        <p:txBody>
+          <a:bodyPr>
+            <a:normAutofit/>
+          </a:bodyPr>
+          <a:lstStyle/>
+          <a:p>
+            <a:r>
+              <a:rPr lang="en-US" dirty="0"/>
+              <a:t>NEXT: Generate behavior map for all microsegments</a:t>
+            </a:r>
+          </a:p>
+        </p:txBody>
+      </p:sp>
+      <p:sp>
+        <p:nvSpPr>
+          <p:cNvPr id="3" name="Content Placeholder 2"/>
+          <p:cNvSpPr>
+            <a:spLocks noGrp="1"/>
+          </p:cNvSpPr>
+          <p:nvPr>
+            <p:ph idx="1"/>
+          </p:nvPr>
+        </p:nvSpPr>
+        <p:spPr>
+          <a:xfrm>
+            <a:off x="1141412" y="2249486"/>
+            <a:ext cx="9905999" cy="4059105"/>
+          </a:xfrm>
+        </p:spPr>
+        <p:txBody>
+          <a:bodyPr/>
+          <a:lstStyle/>
+          <a:p>
+            <a:r>
+              <a:rPr lang="en-US" dirty="0"/>
+              <a:t>Next stage gives us a real 2D map of the customer micro-segmentation based on their actual transactional behavior</a:t>
+            </a:r>
+          </a:p>
+          <a:p>
+            <a:r>
+              <a:rPr lang="en-US" dirty="0"/>
+              <a:t>We can now find groups of micro-segments that behave in a similar pattern</a:t>
+            </a:r>
+          </a:p>
+          <a:p>
+            <a:r>
+              <a:rPr lang="en-US" dirty="0"/>
+              <a:t>This powerful Machine Learning assisted tool can generate intelligent targets</a:t>
+            </a:r>
+          </a:p>
+        </p:txBody>
+      </p:sp>
+    </p:spTree>
+    <p:extLst>
+      <p:ext uri="{BB962C8B-B14F-4D97-AF65-F5344CB8AC3E}">
+        <p14:creationId xmlns:p14="http://schemas.microsoft.com/office/powerpoint/2010/main" val="3924173839"/>
+      </p:ext>
+    </p:extLst>
+  </p:cSld>
+  <p:clrMapOvr>
+    <a:masterClrMapping/>
+  </p:clrMapOvr>
+</p:sld>
+</file>
+
+<file path=ppt/slides/slide8.xml><?xml version="1.0" encoding="utf-8"?>
+<p:sld xmlns:a="http://purl.oclc.org/ooxml/drawingml/main" xmlns:r="http://purl.oclc.org/ooxml/officeDocument/relationships" xmlns:p="http://purl.oclc.org/ooxml/presentationml/main">
+  <p:cSld>
+    <p:spTree>
+      <p:nvGrpSpPr>
+        <p:cNvPr id="1" name=""/>
+        <p:cNvGrpSpPr/>
+        <p:nvPr/>
+      </p:nvGrpSpPr>
+      <p:grpSpPr>
+        <a:xfrm>
+          <a:off x="0" y="0"/>
+          <a:ext cx="0" cy="0"/>
+          <a:chOff x="0" y="0"/>
+          <a:chExt cx="0" cy="0"/>
+        </a:xfrm>
+      </p:grpSpPr>
+      <p:sp>
+        <p:nvSpPr>
+          <p:cNvPr id="2" name="Title 1"/>
+          <p:cNvSpPr>
+            <a:spLocks noGrp="1"/>
+          </p:cNvSpPr>
+          <p:nvPr>
+            <p:ph type="title"/>
+          </p:nvPr>
+        </p:nvSpPr>
+        <p:spPr/>
+        <p:txBody>
+          <a:bodyPr/>
+          <a:lstStyle/>
+          <a:p>
+            <a:endParaRPr lang="en-US"/>
+          </a:p>
+        </p:txBody>
+      </p:sp>
+      <p:pic>
+        <p:nvPicPr>
+          <p:cNvPr id="9" name="Content Placeholder 8"/>
+          <p:cNvPicPr>
+            <a:picLocks noGrp="1" noChangeAspect="1"/>
+          </p:cNvPicPr>
+          <p:nvPr>
+            <p:ph idx="1"/>
+          </p:nvPr>
+        </p:nvPicPr>
+        <p:blipFill>
+          <a:blip r:embed="rId2"/>
+          <a:stretch>
+            <a:fillRect/>
+          </a:stretch>
+        </p:blipFill>
+        <p:spPr>
+          <a:xfrm>
+            <a:off x="895123" y="785679"/>
+            <a:ext cx="10584937" cy="5250129"/>
+          </a:xfrm>
+        </p:spPr>
+      </p:pic>
+    </p:spTree>
+    <p:extLst>
+      <p:ext uri="{BB962C8B-B14F-4D97-AF65-F5344CB8AC3E}">
+        <p14:creationId xmlns:p14="http://schemas.microsoft.com/office/powerpoint/2010/main" val="1618810138"/>
+      </p:ext>
+    </p:extLst>
+  </p:cSld>
+  <p:clrMapOvr>
+    <a:masterClrMapping/>
+  </p:clrMapOvr>
+</p:sld>
+</file>
+
+<file path=ppt/slides/slide9.xml><?xml version="1.0" encoding="utf-8"?>
+<p:sld xmlns:a="http://purl.oclc.org/ooxml/drawingml/main" xmlns:r="http://purl.oclc.org/ooxml/officeDocument/relationships" xmlns:p="http://purl.oclc.org/ooxml/presentationml/main">
+  <p:cSld>
+    <p:spTree>
+      <p:nvGrpSpPr>
+        <p:cNvPr id="1" name=""/>
+        <p:cNvGrpSpPr/>
+        <p:nvPr/>
+      </p:nvGrpSpPr>
+      <p:grpSpPr>
+        <a:xfrm>
+          <a:off x="0" y="0"/>
+          <a:ext cx="0" cy="0"/>
+          <a:chOff x="0" y="0"/>
+          <a:chExt cx="0" cy="0"/>
+        </a:xfrm>
+      </p:grpSpPr>
+      <p:sp>
+        <p:nvSpPr>
+          <p:cNvPr id="2" name="Title 1">
+            <a:extLst>
+              <a:ext uri="{FF2B5EF4-FFF2-40B4-BE49-F238E27FC236}">
+                <a16:creationId xmlns:a16="http://schemas.microsoft.com/office/drawing/2014/main" id="{C7899127-B73A-49F3-B800-3B80B9B77923}"/>
+              </a:ext>
+            </a:extLst>
+          </p:cNvPr>
+          <p:cNvSpPr>
+            <a:spLocks noGrp="1"/>
+          </p:cNvSpPr>
+          <p:nvPr>
+            <p:ph type="title"/>
+          </p:nvPr>
+        </p:nvSpPr>
+        <p:spPr>
+          <a:xfrm>
+            <a:off x="1141413" y="618518"/>
+            <a:ext cx="9905998" cy="621487"/>
+          </a:xfrm>
+        </p:spPr>
+        <p:txBody>
+          <a:bodyPr/>
+          <a:lstStyle/>
+          <a:p>
+            <a:r>
+              <a:rPr lang="en-US" dirty="0"/>
+              <a:t>Zooming...</a:t>
+            </a:r>
+          </a:p>
+        </p:txBody>
+      </p:sp>
+      <p:pic>
+        <p:nvPicPr>
+          <p:cNvPr id="5" name="Picture 4">
+            <a:extLst>
+              <a:ext uri="{FF2B5EF4-FFF2-40B4-BE49-F238E27FC236}">
+                <a16:creationId xmlns:a16="http://schemas.microsoft.com/office/drawing/2014/main" id="{AE1CB497-9F52-4BF8-8263-6D797FC9813A}"/>
+              </a:ext>
+            </a:extLst>
+          </p:cNvPr>
+          <p:cNvPicPr>
+            <a:picLocks noChangeAspect="1"/>
+          </p:cNvPicPr>
+          <p:nvPr/>
+        </p:nvPicPr>
+        <p:blipFill>
+          <a:blip r:embed="rId2"/>
+          <a:stretch>
+            <a:fillRect/>
+          </a:stretch>
+        </p:blipFill>
+        <p:spPr>
+          <a:xfrm>
+            <a:off x="1753825" y="1240005"/>
+            <a:ext cx="8311950" cy="5264737"/>
+          </a:xfrm>
+          <a:prstGeom prst="rect">
+            <a:avLst/>
+          </a:prstGeom>
+        </p:spPr>
+      </p:pic>
+    </p:spTree>
+    <p:extLst>
+      <p:ext uri="{BB962C8B-B14F-4D97-AF65-F5344CB8AC3E}">
+        <p14:creationId xmlns:p14="http://schemas.microsoft.com/office/powerpoint/2010/main" val="3532508143"/>
+      </p:ext>
+    </p:extLst>
+  </p:cSld>
+  <p:clrMapOvr>
+    <a:masterClrMapping/>
+  </p:clrMapOvr>
+</p:sld>
+</file>
+
 <file path=ppt/theme/theme1.xml><?xml version="1.0" encoding="utf-8"?>
 <a:theme xmlns:a="http://purl.oclc.org/ooxml/drawingml/main" name="Circuit">
   <a:themeElements>
